--- a/figures/figure_components/figure4.pptx
+++ b/figures/figure_components/figure4.pptx
@@ -7,14 +7,14 @@
   <p:sldIdLst>
     <p:sldId id="256" r:id="rId2"/>
   </p:sldIdLst>
-  <p:sldSz cx="10287000" cy="5486400"/>
+  <p:sldSz cx="6858000" cy="5121275"/>
   <p:notesSz cx="6858000" cy="9144000"/>
   <p:defaultTextStyle>
     <a:defPPr>
       <a:defRPr lang="en-US"/>
     </a:defPPr>
-    <a:lvl1pPr marL="0" algn="l" defTabSz="768052" rtl="0" eaLnBrk="1" latinLnBrk="0" hangingPunct="1">
-      <a:defRPr sz="1512" kern="1200">
+    <a:lvl1pPr marL="0" algn="l" defTabSz="647395" rtl="0" eaLnBrk="1" latinLnBrk="0" hangingPunct="1">
+      <a:defRPr sz="1274" kern="1200">
         <a:solidFill>
           <a:schemeClr val="tx1"/>
         </a:solidFill>
@@ -23,8 +23,8 @@
         <a:cs typeface="+mn-cs"/>
       </a:defRPr>
     </a:lvl1pPr>
-    <a:lvl2pPr marL="384026" algn="l" defTabSz="768052" rtl="0" eaLnBrk="1" latinLnBrk="0" hangingPunct="1">
-      <a:defRPr sz="1512" kern="1200">
+    <a:lvl2pPr marL="323698" algn="l" defTabSz="647395" rtl="0" eaLnBrk="1" latinLnBrk="0" hangingPunct="1">
+      <a:defRPr sz="1274" kern="1200">
         <a:solidFill>
           <a:schemeClr val="tx1"/>
         </a:solidFill>
@@ -33,8 +33,8 @@
         <a:cs typeface="+mn-cs"/>
       </a:defRPr>
     </a:lvl2pPr>
-    <a:lvl3pPr marL="768052" algn="l" defTabSz="768052" rtl="0" eaLnBrk="1" latinLnBrk="0" hangingPunct="1">
-      <a:defRPr sz="1512" kern="1200">
+    <a:lvl3pPr marL="647395" algn="l" defTabSz="647395" rtl="0" eaLnBrk="1" latinLnBrk="0" hangingPunct="1">
+      <a:defRPr sz="1274" kern="1200">
         <a:solidFill>
           <a:schemeClr val="tx1"/>
         </a:solidFill>
@@ -43,8 +43,8 @@
         <a:cs typeface="+mn-cs"/>
       </a:defRPr>
     </a:lvl3pPr>
-    <a:lvl4pPr marL="1152078" algn="l" defTabSz="768052" rtl="0" eaLnBrk="1" latinLnBrk="0" hangingPunct="1">
-      <a:defRPr sz="1512" kern="1200">
+    <a:lvl4pPr marL="971093" algn="l" defTabSz="647395" rtl="0" eaLnBrk="1" latinLnBrk="0" hangingPunct="1">
+      <a:defRPr sz="1274" kern="1200">
         <a:solidFill>
           <a:schemeClr val="tx1"/>
         </a:solidFill>
@@ -53,8 +53,8 @@
         <a:cs typeface="+mn-cs"/>
       </a:defRPr>
     </a:lvl4pPr>
-    <a:lvl5pPr marL="1536105" algn="l" defTabSz="768052" rtl="0" eaLnBrk="1" latinLnBrk="0" hangingPunct="1">
-      <a:defRPr sz="1512" kern="1200">
+    <a:lvl5pPr marL="1294790" algn="l" defTabSz="647395" rtl="0" eaLnBrk="1" latinLnBrk="0" hangingPunct="1">
+      <a:defRPr sz="1274" kern="1200">
         <a:solidFill>
           <a:schemeClr val="tx1"/>
         </a:solidFill>
@@ -63,8 +63,8 @@
         <a:cs typeface="+mn-cs"/>
       </a:defRPr>
     </a:lvl5pPr>
-    <a:lvl6pPr marL="1920130" algn="l" defTabSz="768052" rtl="0" eaLnBrk="1" latinLnBrk="0" hangingPunct="1">
-      <a:defRPr sz="1512" kern="1200">
+    <a:lvl6pPr marL="1618488" algn="l" defTabSz="647395" rtl="0" eaLnBrk="1" latinLnBrk="0" hangingPunct="1">
+      <a:defRPr sz="1274" kern="1200">
         <a:solidFill>
           <a:schemeClr val="tx1"/>
         </a:solidFill>
@@ -73,8 +73,8 @@
         <a:cs typeface="+mn-cs"/>
       </a:defRPr>
     </a:lvl6pPr>
-    <a:lvl7pPr marL="2304156" algn="l" defTabSz="768052" rtl="0" eaLnBrk="1" latinLnBrk="0" hangingPunct="1">
-      <a:defRPr sz="1512" kern="1200">
+    <a:lvl7pPr marL="1942186" algn="l" defTabSz="647395" rtl="0" eaLnBrk="1" latinLnBrk="0" hangingPunct="1">
+      <a:defRPr sz="1274" kern="1200">
         <a:solidFill>
           <a:schemeClr val="tx1"/>
         </a:solidFill>
@@ -83,8 +83,8 @@
         <a:cs typeface="+mn-cs"/>
       </a:defRPr>
     </a:lvl7pPr>
-    <a:lvl8pPr marL="2688183" algn="l" defTabSz="768052" rtl="0" eaLnBrk="1" latinLnBrk="0" hangingPunct="1">
-      <a:defRPr sz="1512" kern="1200">
+    <a:lvl8pPr marL="2265883" algn="l" defTabSz="647395" rtl="0" eaLnBrk="1" latinLnBrk="0" hangingPunct="1">
+      <a:defRPr sz="1274" kern="1200">
         <a:solidFill>
           <a:schemeClr val="tx1"/>
         </a:solidFill>
@@ -93,8 +93,8 @@
         <a:cs typeface="+mn-cs"/>
       </a:defRPr>
     </a:lvl8pPr>
-    <a:lvl9pPr marL="3072208" algn="l" defTabSz="768052" rtl="0" eaLnBrk="1" latinLnBrk="0" hangingPunct="1">
-      <a:defRPr sz="1512" kern="1200">
+    <a:lvl9pPr marL="2589581" algn="l" defTabSz="647395" rtl="0" eaLnBrk="1" latinLnBrk="0" hangingPunct="1">
+      <a:defRPr sz="1274" kern="1200">
         <a:solidFill>
           <a:schemeClr val="tx1"/>
         </a:solidFill>
@@ -104,6 +104,11 @@
       </a:defRPr>
     </a:lvl9pPr>
   </p:defaultTextStyle>
+  <p:extLst>
+    <p:ext uri="{EFAFB233-063F-42B5-8137-9DF3F51BA10A}">
+      <p15:sldGuideLst xmlns:p15="http://schemas.microsoft.com/office/powerpoint/2012/main"/>
+    </p:ext>
+  </p:extLst>
 </p:presentation>
 </file>
 
@@ -136,15 +141,15 @@
         </p:nvSpPr>
         <p:spPr>
           <a:xfrm>
-            <a:off x="1285875" y="897890"/>
-            <a:ext cx="7715250" cy="1910080"/>
+            <a:off x="514350" y="838135"/>
+            <a:ext cx="5829300" cy="1782962"/>
           </a:xfrm>
         </p:spPr>
         <p:txBody>
           <a:bodyPr anchor="b"/>
           <a:lstStyle>
             <a:lvl1pPr algn="ctr">
-              <a:defRPr sz="4800"/>
+              <a:defRPr sz="4481"/>
             </a:lvl1pPr>
           </a:lstStyle>
           <a:p>
@@ -168,8 +173,8 @@
         </p:nvSpPr>
         <p:spPr>
           <a:xfrm>
-            <a:off x="1285875" y="2881630"/>
-            <a:ext cx="7715250" cy="1324610"/>
+            <a:off x="857250" y="2689855"/>
+            <a:ext cx="5143500" cy="1236456"/>
           </a:xfrm>
         </p:spPr>
         <p:txBody>
@@ -177,39 +182,39 @@
           <a:lstStyle>
             <a:lvl1pPr marL="0" indent="0" algn="ctr">
               <a:buNone/>
-              <a:defRPr sz="1920"/>
+              <a:defRPr sz="1792"/>
             </a:lvl1pPr>
-            <a:lvl2pPr marL="365760" indent="0" algn="ctr">
-              <a:buNone/>
-              <a:defRPr sz="1600"/>
+            <a:lvl2pPr marL="341437" indent="0" algn="ctr">
+              <a:buNone/>
+              <a:defRPr sz="1494"/>
             </a:lvl2pPr>
-            <a:lvl3pPr marL="731520" indent="0" algn="ctr">
-              <a:buNone/>
-              <a:defRPr sz="1440"/>
+            <a:lvl3pPr marL="682874" indent="0" algn="ctr">
+              <a:buNone/>
+              <a:defRPr sz="1344"/>
             </a:lvl3pPr>
-            <a:lvl4pPr marL="1097280" indent="0" algn="ctr">
-              <a:buNone/>
-              <a:defRPr sz="1280"/>
+            <a:lvl4pPr marL="1024311" indent="0" algn="ctr">
+              <a:buNone/>
+              <a:defRPr sz="1195"/>
             </a:lvl4pPr>
-            <a:lvl5pPr marL="1463040" indent="0" algn="ctr">
-              <a:buNone/>
-              <a:defRPr sz="1280"/>
+            <a:lvl5pPr marL="1365748" indent="0" algn="ctr">
+              <a:buNone/>
+              <a:defRPr sz="1195"/>
             </a:lvl5pPr>
-            <a:lvl6pPr marL="1828800" indent="0" algn="ctr">
-              <a:buNone/>
-              <a:defRPr sz="1280"/>
+            <a:lvl6pPr marL="1707185" indent="0" algn="ctr">
+              <a:buNone/>
+              <a:defRPr sz="1195"/>
             </a:lvl6pPr>
-            <a:lvl7pPr marL="2194560" indent="0" algn="ctr">
-              <a:buNone/>
-              <a:defRPr sz="1280"/>
+            <a:lvl7pPr marL="2048622" indent="0" algn="ctr">
+              <a:buNone/>
+              <a:defRPr sz="1195"/>
             </a:lvl7pPr>
-            <a:lvl8pPr marL="2560320" indent="0" algn="ctr">
-              <a:buNone/>
-              <a:defRPr sz="1280"/>
+            <a:lvl8pPr marL="2390059" indent="0" algn="ctr">
+              <a:buNone/>
+              <a:defRPr sz="1195"/>
             </a:lvl8pPr>
-            <a:lvl9pPr marL="2926080" indent="0" algn="ctr">
-              <a:buNone/>
-              <a:defRPr sz="1280"/>
+            <a:lvl9pPr marL="2731496" indent="0" algn="ctr">
+              <a:buNone/>
+              <a:defRPr sz="1195"/>
             </a:lvl9pPr>
           </a:lstStyle>
           <a:p>
@@ -236,9 +241,9 @@
           <a:bodyPr/>
           <a:lstStyle/>
           <a:p>
-            <a:fld id="{7B537CA4-E614-924F-B64D-30E6D54E5167}" type="datetimeFigureOut">
+            <a:fld id="{401E1E6C-EA39-C04F-8BD7-24F3AA3999CD}" type="datetimeFigureOut">
               <a:rPr lang="en-US" smtClean="0"/>
-              <a:t>9/30/20</a:t>
+              <a:t>10/13/20</a:t>
             </a:fld>
             <a:endParaRPr lang="en-US"/>
           </a:p>
@@ -278,7 +283,7 @@
           <a:bodyPr/>
           <a:lstStyle/>
           <a:p>
-            <a:fld id="{C84EAF6E-1079-5142-8CA0-54190AC77301}" type="slidenum">
+            <a:fld id="{BDE76867-A68E-9544-9830-80F90AD71362}" type="slidenum">
               <a:rPr lang="en-US" smtClean="0"/>
               <a:t>‹#›</a:t>
             </a:fld>
@@ -289,7 +294,7 @@
     </p:spTree>
     <p:extLst>
       <p:ext uri="{BB962C8B-B14F-4D97-AF65-F5344CB8AC3E}">
-        <p14:creationId xmlns:p14="http://schemas.microsoft.com/office/powerpoint/2010/main" val="3992548101"/>
+        <p14:creationId xmlns:p14="http://schemas.microsoft.com/office/powerpoint/2010/main" val="3887289126"/>
       </p:ext>
     </p:extLst>
   </p:cSld>
@@ -406,9 +411,9 @@
           <a:bodyPr/>
           <a:lstStyle/>
           <a:p>
-            <a:fld id="{7B537CA4-E614-924F-B64D-30E6D54E5167}" type="datetimeFigureOut">
+            <a:fld id="{401E1E6C-EA39-C04F-8BD7-24F3AA3999CD}" type="datetimeFigureOut">
               <a:rPr lang="en-US" smtClean="0"/>
-              <a:t>9/30/20</a:t>
+              <a:t>10/13/20</a:t>
             </a:fld>
             <a:endParaRPr lang="en-US"/>
           </a:p>
@@ -448,7 +453,7 @@
           <a:bodyPr/>
           <a:lstStyle/>
           <a:p>
-            <a:fld id="{C84EAF6E-1079-5142-8CA0-54190AC77301}" type="slidenum">
+            <a:fld id="{BDE76867-A68E-9544-9830-80F90AD71362}" type="slidenum">
               <a:rPr lang="en-US" smtClean="0"/>
               <a:t>‹#›</a:t>
             </a:fld>
@@ -459,7 +464,7 @@
     </p:spTree>
     <p:extLst>
       <p:ext uri="{BB962C8B-B14F-4D97-AF65-F5344CB8AC3E}">
-        <p14:creationId xmlns:p14="http://schemas.microsoft.com/office/powerpoint/2010/main" val="481446187"/>
+        <p14:creationId xmlns:p14="http://schemas.microsoft.com/office/powerpoint/2010/main" val="1682824635"/>
       </p:ext>
     </p:extLst>
   </p:cSld>
@@ -498,8 +503,8 @@
         </p:nvSpPr>
         <p:spPr>
           <a:xfrm>
-            <a:off x="7361635" y="292100"/>
-            <a:ext cx="2218134" cy="4649470"/>
+            <a:off x="4907757" y="272660"/>
+            <a:ext cx="1478756" cy="4340044"/>
           </a:xfrm>
         </p:spPr>
         <p:txBody>
@@ -526,8 +531,8 @@
         </p:nvSpPr>
         <p:spPr>
           <a:xfrm>
-            <a:off x="707231" y="292100"/>
-            <a:ext cx="6525816" cy="4649470"/>
+            <a:off x="471488" y="272660"/>
+            <a:ext cx="4350544" cy="4340044"/>
           </a:xfrm>
         </p:spPr>
         <p:txBody>
@@ -586,9 +591,9 @@
           <a:bodyPr/>
           <a:lstStyle/>
           <a:p>
-            <a:fld id="{7B537CA4-E614-924F-B64D-30E6D54E5167}" type="datetimeFigureOut">
+            <a:fld id="{401E1E6C-EA39-C04F-8BD7-24F3AA3999CD}" type="datetimeFigureOut">
               <a:rPr lang="en-US" smtClean="0"/>
-              <a:t>9/30/20</a:t>
+              <a:t>10/13/20</a:t>
             </a:fld>
             <a:endParaRPr lang="en-US"/>
           </a:p>
@@ -628,7 +633,7 @@
           <a:bodyPr/>
           <a:lstStyle/>
           <a:p>
-            <a:fld id="{C84EAF6E-1079-5142-8CA0-54190AC77301}" type="slidenum">
+            <a:fld id="{BDE76867-A68E-9544-9830-80F90AD71362}" type="slidenum">
               <a:rPr lang="en-US" smtClean="0"/>
               <a:t>‹#›</a:t>
             </a:fld>
@@ -639,7 +644,7 @@
     </p:spTree>
     <p:extLst>
       <p:ext uri="{BB962C8B-B14F-4D97-AF65-F5344CB8AC3E}">
-        <p14:creationId xmlns:p14="http://schemas.microsoft.com/office/powerpoint/2010/main" val="3846480347"/>
+        <p14:creationId xmlns:p14="http://schemas.microsoft.com/office/powerpoint/2010/main" val="1654169987"/>
       </p:ext>
     </p:extLst>
   </p:cSld>
@@ -756,9 +761,9 @@
           <a:bodyPr/>
           <a:lstStyle/>
           <a:p>
-            <a:fld id="{7B537CA4-E614-924F-B64D-30E6D54E5167}" type="datetimeFigureOut">
+            <a:fld id="{401E1E6C-EA39-C04F-8BD7-24F3AA3999CD}" type="datetimeFigureOut">
               <a:rPr lang="en-US" smtClean="0"/>
-              <a:t>9/30/20</a:t>
+              <a:t>10/13/20</a:t>
             </a:fld>
             <a:endParaRPr lang="en-US"/>
           </a:p>
@@ -798,7 +803,7 @@
           <a:bodyPr/>
           <a:lstStyle/>
           <a:p>
-            <a:fld id="{C84EAF6E-1079-5142-8CA0-54190AC77301}" type="slidenum">
+            <a:fld id="{BDE76867-A68E-9544-9830-80F90AD71362}" type="slidenum">
               <a:rPr lang="en-US" smtClean="0"/>
               <a:t>‹#›</a:t>
             </a:fld>
@@ -809,7 +814,7 @@
     </p:spTree>
     <p:extLst>
       <p:ext uri="{BB962C8B-B14F-4D97-AF65-F5344CB8AC3E}">
-        <p14:creationId xmlns:p14="http://schemas.microsoft.com/office/powerpoint/2010/main" val="4045898074"/>
+        <p14:creationId xmlns:p14="http://schemas.microsoft.com/office/powerpoint/2010/main" val="3915787794"/>
       </p:ext>
     </p:extLst>
   </p:cSld>
@@ -848,15 +853,15 @@
         </p:nvSpPr>
         <p:spPr>
           <a:xfrm>
-            <a:off x="701873" y="1367791"/>
-            <a:ext cx="8872538" cy="2282190"/>
+            <a:off x="467916" y="1276764"/>
+            <a:ext cx="5915025" cy="2130308"/>
           </a:xfrm>
         </p:spPr>
         <p:txBody>
           <a:bodyPr anchor="b"/>
           <a:lstStyle>
             <a:lvl1pPr>
-              <a:defRPr sz="4800"/>
+              <a:defRPr sz="4481"/>
             </a:lvl1pPr>
           </a:lstStyle>
           <a:p>
@@ -880,8 +885,8 @@
         </p:nvSpPr>
         <p:spPr>
           <a:xfrm>
-            <a:off x="701873" y="3671571"/>
-            <a:ext cx="8872538" cy="1200150"/>
+            <a:off x="467916" y="3427225"/>
+            <a:ext cx="5915025" cy="1120279"/>
           </a:xfrm>
         </p:spPr>
         <p:txBody>
@@ -889,17 +894,15 @@
           <a:lstStyle>
             <a:lvl1pPr marL="0" indent="0">
               <a:buNone/>
-              <a:defRPr sz="1920">
+              <a:defRPr sz="1792">
                 <a:solidFill>
-                  <a:schemeClr val="tx1">
-                    <a:tint val="75000"/>
-                  </a:schemeClr>
+                  <a:schemeClr val="tx1"/>
                 </a:solidFill>
               </a:defRPr>
             </a:lvl1pPr>
-            <a:lvl2pPr marL="365760" indent="0">
-              <a:buNone/>
-              <a:defRPr sz="1600">
+            <a:lvl2pPr marL="341437" indent="0">
+              <a:buNone/>
+              <a:defRPr sz="1494">
                 <a:solidFill>
                   <a:schemeClr val="tx1">
                     <a:tint val="75000"/>
@@ -907,9 +910,9 @@
                 </a:solidFill>
               </a:defRPr>
             </a:lvl2pPr>
-            <a:lvl3pPr marL="731520" indent="0">
-              <a:buNone/>
-              <a:defRPr sz="1440">
+            <a:lvl3pPr marL="682874" indent="0">
+              <a:buNone/>
+              <a:defRPr sz="1344">
                 <a:solidFill>
                   <a:schemeClr val="tx1">
                     <a:tint val="75000"/>
@@ -917,9 +920,9 @@
                 </a:solidFill>
               </a:defRPr>
             </a:lvl3pPr>
-            <a:lvl4pPr marL="1097280" indent="0">
-              <a:buNone/>
-              <a:defRPr sz="1280">
+            <a:lvl4pPr marL="1024311" indent="0">
+              <a:buNone/>
+              <a:defRPr sz="1195">
                 <a:solidFill>
                   <a:schemeClr val="tx1">
                     <a:tint val="75000"/>
@@ -927,9 +930,9 @@
                 </a:solidFill>
               </a:defRPr>
             </a:lvl4pPr>
-            <a:lvl5pPr marL="1463040" indent="0">
-              <a:buNone/>
-              <a:defRPr sz="1280">
+            <a:lvl5pPr marL="1365748" indent="0">
+              <a:buNone/>
+              <a:defRPr sz="1195">
                 <a:solidFill>
                   <a:schemeClr val="tx1">
                     <a:tint val="75000"/>
@@ -937,9 +940,9 @@
                 </a:solidFill>
               </a:defRPr>
             </a:lvl5pPr>
-            <a:lvl6pPr marL="1828800" indent="0">
-              <a:buNone/>
-              <a:defRPr sz="1280">
+            <a:lvl6pPr marL="1707185" indent="0">
+              <a:buNone/>
+              <a:defRPr sz="1195">
                 <a:solidFill>
                   <a:schemeClr val="tx1">
                     <a:tint val="75000"/>
@@ -947,9 +950,9 @@
                 </a:solidFill>
               </a:defRPr>
             </a:lvl6pPr>
-            <a:lvl7pPr marL="2194560" indent="0">
-              <a:buNone/>
-              <a:defRPr sz="1280">
+            <a:lvl7pPr marL="2048622" indent="0">
+              <a:buNone/>
+              <a:defRPr sz="1195">
                 <a:solidFill>
                   <a:schemeClr val="tx1">
                     <a:tint val="75000"/>
@@ -957,9 +960,9 @@
                 </a:solidFill>
               </a:defRPr>
             </a:lvl7pPr>
-            <a:lvl8pPr marL="2560320" indent="0">
-              <a:buNone/>
-              <a:defRPr sz="1280">
+            <a:lvl8pPr marL="2390059" indent="0">
+              <a:buNone/>
+              <a:defRPr sz="1195">
                 <a:solidFill>
                   <a:schemeClr val="tx1">
                     <a:tint val="75000"/>
@@ -967,9 +970,9 @@
                 </a:solidFill>
               </a:defRPr>
             </a:lvl8pPr>
-            <a:lvl9pPr marL="2926080" indent="0">
-              <a:buNone/>
-              <a:defRPr sz="1280">
+            <a:lvl9pPr marL="2731496" indent="0">
+              <a:buNone/>
+              <a:defRPr sz="1195">
                 <a:solidFill>
                   <a:schemeClr val="tx1">
                     <a:tint val="75000"/>
@@ -1002,9 +1005,9 @@
           <a:bodyPr/>
           <a:lstStyle/>
           <a:p>
-            <a:fld id="{7B537CA4-E614-924F-B64D-30E6D54E5167}" type="datetimeFigureOut">
+            <a:fld id="{401E1E6C-EA39-C04F-8BD7-24F3AA3999CD}" type="datetimeFigureOut">
               <a:rPr lang="en-US" smtClean="0"/>
-              <a:t>9/30/20</a:t>
+              <a:t>10/13/20</a:t>
             </a:fld>
             <a:endParaRPr lang="en-US"/>
           </a:p>
@@ -1044,7 +1047,7 @@
           <a:bodyPr/>
           <a:lstStyle/>
           <a:p>
-            <a:fld id="{C84EAF6E-1079-5142-8CA0-54190AC77301}" type="slidenum">
+            <a:fld id="{BDE76867-A68E-9544-9830-80F90AD71362}" type="slidenum">
               <a:rPr lang="en-US" smtClean="0"/>
               <a:t>‹#›</a:t>
             </a:fld>
@@ -1055,7 +1058,7 @@
     </p:spTree>
     <p:extLst>
       <p:ext uri="{BB962C8B-B14F-4D97-AF65-F5344CB8AC3E}">
-        <p14:creationId xmlns:p14="http://schemas.microsoft.com/office/powerpoint/2010/main" val="1013909105"/>
+        <p14:creationId xmlns:p14="http://schemas.microsoft.com/office/powerpoint/2010/main" val="999643538"/>
       </p:ext>
     </p:extLst>
   </p:cSld>
@@ -1117,8 +1120,8 @@
         </p:nvSpPr>
         <p:spPr>
           <a:xfrm>
-            <a:off x="707231" y="1460500"/>
-            <a:ext cx="4371975" cy="3481070"/>
+            <a:off x="471488" y="1363302"/>
+            <a:ext cx="2914650" cy="3249402"/>
           </a:xfrm>
         </p:spPr>
         <p:txBody>
@@ -1174,8 +1177,8 @@
         </p:nvSpPr>
         <p:spPr>
           <a:xfrm>
-            <a:off x="5207794" y="1460500"/>
-            <a:ext cx="4371975" cy="3481070"/>
+            <a:off x="3471863" y="1363302"/>
+            <a:ext cx="2914650" cy="3249402"/>
           </a:xfrm>
         </p:spPr>
         <p:txBody>
@@ -1234,9 +1237,9 @@
           <a:bodyPr/>
           <a:lstStyle/>
           <a:p>
-            <a:fld id="{7B537CA4-E614-924F-B64D-30E6D54E5167}" type="datetimeFigureOut">
+            <a:fld id="{401E1E6C-EA39-C04F-8BD7-24F3AA3999CD}" type="datetimeFigureOut">
               <a:rPr lang="en-US" smtClean="0"/>
-              <a:t>9/30/20</a:t>
+              <a:t>10/13/20</a:t>
             </a:fld>
             <a:endParaRPr lang="en-US"/>
           </a:p>
@@ -1276,7 +1279,7 @@
           <a:bodyPr/>
           <a:lstStyle/>
           <a:p>
-            <a:fld id="{C84EAF6E-1079-5142-8CA0-54190AC77301}" type="slidenum">
+            <a:fld id="{BDE76867-A68E-9544-9830-80F90AD71362}" type="slidenum">
               <a:rPr lang="en-US" smtClean="0"/>
               <a:t>‹#›</a:t>
             </a:fld>
@@ -1287,7 +1290,7 @@
     </p:spTree>
     <p:extLst>
       <p:ext uri="{BB962C8B-B14F-4D97-AF65-F5344CB8AC3E}">
-        <p14:creationId xmlns:p14="http://schemas.microsoft.com/office/powerpoint/2010/main" val="175868658"/>
+        <p14:creationId xmlns:p14="http://schemas.microsoft.com/office/powerpoint/2010/main" val="1787708356"/>
       </p:ext>
     </p:extLst>
   </p:cSld>
@@ -1326,8 +1329,8 @@
         </p:nvSpPr>
         <p:spPr>
           <a:xfrm>
-            <a:off x="708571" y="292101"/>
-            <a:ext cx="8872538" cy="1060450"/>
+            <a:off x="472381" y="272662"/>
+            <a:ext cx="5915025" cy="989876"/>
           </a:xfrm>
         </p:spPr>
         <p:txBody>
@@ -1354,8 +1357,8 @@
         </p:nvSpPr>
         <p:spPr>
           <a:xfrm>
-            <a:off x="708571" y="1344930"/>
-            <a:ext cx="4351883" cy="659130"/>
+            <a:off x="472381" y="1255424"/>
+            <a:ext cx="2901255" cy="615264"/>
           </a:xfrm>
         </p:spPr>
         <p:txBody>
@@ -1363,39 +1366,39 @@
           <a:lstStyle>
             <a:lvl1pPr marL="0" indent="0">
               <a:buNone/>
-              <a:defRPr sz="1920" b="1"/>
+              <a:defRPr sz="1792" b="1"/>
             </a:lvl1pPr>
-            <a:lvl2pPr marL="365760" indent="0">
-              <a:buNone/>
-              <a:defRPr sz="1600" b="1"/>
+            <a:lvl2pPr marL="341437" indent="0">
+              <a:buNone/>
+              <a:defRPr sz="1494" b="1"/>
             </a:lvl2pPr>
-            <a:lvl3pPr marL="731520" indent="0">
-              <a:buNone/>
-              <a:defRPr sz="1440" b="1"/>
+            <a:lvl3pPr marL="682874" indent="0">
+              <a:buNone/>
+              <a:defRPr sz="1344" b="1"/>
             </a:lvl3pPr>
-            <a:lvl4pPr marL="1097280" indent="0">
-              <a:buNone/>
-              <a:defRPr sz="1280" b="1"/>
+            <a:lvl4pPr marL="1024311" indent="0">
+              <a:buNone/>
+              <a:defRPr sz="1195" b="1"/>
             </a:lvl4pPr>
-            <a:lvl5pPr marL="1463040" indent="0">
-              <a:buNone/>
-              <a:defRPr sz="1280" b="1"/>
+            <a:lvl5pPr marL="1365748" indent="0">
+              <a:buNone/>
+              <a:defRPr sz="1195" b="1"/>
             </a:lvl5pPr>
-            <a:lvl6pPr marL="1828800" indent="0">
-              <a:buNone/>
-              <a:defRPr sz="1280" b="1"/>
+            <a:lvl6pPr marL="1707185" indent="0">
+              <a:buNone/>
+              <a:defRPr sz="1195" b="1"/>
             </a:lvl6pPr>
-            <a:lvl7pPr marL="2194560" indent="0">
-              <a:buNone/>
-              <a:defRPr sz="1280" b="1"/>
+            <a:lvl7pPr marL="2048622" indent="0">
+              <a:buNone/>
+              <a:defRPr sz="1195" b="1"/>
             </a:lvl7pPr>
-            <a:lvl8pPr marL="2560320" indent="0">
-              <a:buNone/>
-              <a:defRPr sz="1280" b="1"/>
+            <a:lvl8pPr marL="2390059" indent="0">
+              <a:buNone/>
+              <a:defRPr sz="1195" b="1"/>
             </a:lvl8pPr>
-            <a:lvl9pPr marL="2926080" indent="0">
-              <a:buNone/>
-              <a:defRPr sz="1280" b="1"/>
+            <a:lvl9pPr marL="2731496" indent="0">
+              <a:buNone/>
+              <a:defRPr sz="1195" b="1"/>
             </a:lvl9pPr>
           </a:lstStyle>
           <a:p>
@@ -1419,8 +1422,8 @@
         </p:nvSpPr>
         <p:spPr>
           <a:xfrm>
-            <a:off x="708571" y="2004060"/>
-            <a:ext cx="4351883" cy="2947670"/>
+            <a:off x="472381" y="1870688"/>
+            <a:ext cx="2901255" cy="2751500"/>
           </a:xfrm>
         </p:spPr>
         <p:txBody>
@@ -1476,8 +1479,8 @@
         </p:nvSpPr>
         <p:spPr>
           <a:xfrm>
-            <a:off x="5207794" y="1344930"/>
-            <a:ext cx="4373315" cy="659130"/>
+            <a:off x="3471863" y="1255424"/>
+            <a:ext cx="2915543" cy="615264"/>
           </a:xfrm>
         </p:spPr>
         <p:txBody>
@@ -1485,39 +1488,39 @@
           <a:lstStyle>
             <a:lvl1pPr marL="0" indent="0">
               <a:buNone/>
-              <a:defRPr sz="1920" b="1"/>
+              <a:defRPr sz="1792" b="1"/>
             </a:lvl1pPr>
-            <a:lvl2pPr marL="365760" indent="0">
-              <a:buNone/>
-              <a:defRPr sz="1600" b="1"/>
+            <a:lvl2pPr marL="341437" indent="0">
+              <a:buNone/>
+              <a:defRPr sz="1494" b="1"/>
             </a:lvl2pPr>
-            <a:lvl3pPr marL="731520" indent="0">
-              <a:buNone/>
-              <a:defRPr sz="1440" b="1"/>
+            <a:lvl3pPr marL="682874" indent="0">
+              <a:buNone/>
+              <a:defRPr sz="1344" b="1"/>
             </a:lvl3pPr>
-            <a:lvl4pPr marL="1097280" indent="0">
-              <a:buNone/>
-              <a:defRPr sz="1280" b="1"/>
+            <a:lvl4pPr marL="1024311" indent="0">
+              <a:buNone/>
+              <a:defRPr sz="1195" b="1"/>
             </a:lvl4pPr>
-            <a:lvl5pPr marL="1463040" indent="0">
-              <a:buNone/>
-              <a:defRPr sz="1280" b="1"/>
+            <a:lvl5pPr marL="1365748" indent="0">
+              <a:buNone/>
+              <a:defRPr sz="1195" b="1"/>
             </a:lvl5pPr>
-            <a:lvl6pPr marL="1828800" indent="0">
-              <a:buNone/>
-              <a:defRPr sz="1280" b="1"/>
+            <a:lvl6pPr marL="1707185" indent="0">
+              <a:buNone/>
+              <a:defRPr sz="1195" b="1"/>
             </a:lvl6pPr>
-            <a:lvl7pPr marL="2194560" indent="0">
-              <a:buNone/>
-              <a:defRPr sz="1280" b="1"/>
+            <a:lvl7pPr marL="2048622" indent="0">
+              <a:buNone/>
+              <a:defRPr sz="1195" b="1"/>
             </a:lvl7pPr>
-            <a:lvl8pPr marL="2560320" indent="0">
-              <a:buNone/>
-              <a:defRPr sz="1280" b="1"/>
+            <a:lvl8pPr marL="2390059" indent="0">
+              <a:buNone/>
+              <a:defRPr sz="1195" b="1"/>
             </a:lvl8pPr>
-            <a:lvl9pPr marL="2926080" indent="0">
-              <a:buNone/>
-              <a:defRPr sz="1280" b="1"/>
+            <a:lvl9pPr marL="2731496" indent="0">
+              <a:buNone/>
+              <a:defRPr sz="1195" b="1"/>
             </a:lvl9pPr>
           </a:lstStyle>
           <a:p>
@@ -1541,8 +1544,8 @@
         </p:nvSpPr>
         <p:spPr>
           <a:xfrm>
-            <a:off x="5207794" y="2004060"/>
-            <a:ext cx="4373315" cy="2947670"/>
+            <a:off x="3471863" y="1870688"/>
+            <a:ext cx="2915543" cy="2751500"/>
           </a:xfrm>
         </p:spPr>
         <p:txBody>
@@ -1601,9 +1604,9 @@
           <a:bodyPr/>
           <a:lstStyle/>
           <a:p>
-            <a:fld id="{7B537CA4-E614-924F-B64D-30E6D54E5167}" type="datetimeFigureOut">
+            <a:fld id="{401E1E6C-EA39-C04F-8BD7-24F3AA3999CD}" type="datetimeFigureOut">
               <a:rPr lang="en-US" smtClean="0"/>
-              <a:t>9/30/20</a:t>
+              <a:t>10/13/20</a:t>
             </a:fld>
             <a:endParaRPr lang="en-US"/>
           </a:p>
@@ -1643,7 +1646,7 @@
           <a:bodyPr/>
           <a:lstStyle/>
           <a:p>
-            <a:fld id="{C84EAF6E-1079-5142-8CA0-54190AC77301}" type="slidenum">
+            <a:fld id="{BDE76867-A68E-9544-9830-80F90AD71362}" type="slidenum">
               <a:rPr lang="en-US" smtClean="0"/>
               <a:t>‹#›</a:t>
             </a:fld>
@@ -1654,7 +1657,7 @@
     </p:spTree>
     <p:extLst>
       <p:ext uri="{BB962C8B-B14F-4D97-AF65-F5344CB8AC3E}">
-        <p14:creationId xmlns:p14="http://schemas.microsoft.com/office/powerpoint/2010/main" val="515961376"/>
+        <p14:creationId xmlns:p14="http://schemas.microsoft.com/office/powerpoint/2010/main" val="89728405"/>
       </p:ext>
     </p:extLst>
   </p:cSld>
@@ -1719,9 +1722,9 @@
           <a:bodyPr/>
           <a:lstStyle/>
           <a:p>
-            <a:fld id="{7B537CA4-E614-924F-B64D-30E6D54E5167}" type="datetimeFigureOut">
+            <a:fld id="{401E1E6C-EA39-C04F-8BD7-24F3AA3999CD}" type="datetimeFigureOut">
               <a:rPr lang="en-US" smtClean="0"/>
-              <a:t>9/30/20</a:t>
+              <a:t>10/13/20</a:t>
             </a:fld>
             <a:endParaRPr lang="en-US"/>
           </a:p>
@@ -1761,7 +1764,7 @@
           <a:bodyPr/>
           <a:lstStyle/>
           <a:p>
-            <a:fld id="{C84EAF6E-1079-5142-8CA0-54190AC77301}" type="slidenum">
+            <a:fld id="{BDE76867-A68E-9544-9830-80F90AD71362}" type="slidenum">
               <a:rPr lang="en-US" smtClean="0"/>
               <a:t>‹#›</a:t>
             </a:fld>
@@ -1772,7 +1775,7 @@
     </p:spTree>
     <p:extLst>
       <p:ext uri="{BB962C8B-B14F-4D97-AF65-F5344CB8AC3E}">
-        <p14:creationId xmlns:p14="http://schemas.microsoft.com/office/powerpoint/2010/main" val="882369553"/>
+        <p14:creationId xmlns:p14="http://schemas.microsoft.com/office/powerpoint/2010/main" val="3585793896"/>
       </p:ext>
     </p:extLst>
   </p:cSld>
@@ -1814,9 +1817,9 @@
           <a:bodyPr/>
           <a:lstStyle/>
           <a:p>
-            <a:fld id="{7B537CA4-E614-924F-B64D-30E6D54E5167}" type="datetimeFigureOut">
+            <a:fld id="{401E1E6C-EA39-C04F-8BD7-24F3AA3999CD}" type="datetimeFigureOut">
               <a:rPr lang="en-US" smtClean="0"/>
-              <a:t>9/30/20</a:t>
+              <a:t>10/13/20</a:t>
             </a:fld>
             <a:endParaRPr lang="en-US"/>
           </a:p>
@@ -1856,7 +1859,7 @@
           <a:bodyPr/>
           <a:lstStyle/>
           <a:p>
-            <a:fld id="{C84EAF6E-1079-5142-8CA0-54190AC77301}" type="slidenum">
+            <a:fld id="{BDE76867-A68E-9544-9830-80F90AD71362}" type="slidenum">
               <a:rPr lang="en-US" smtClean="0"/>
               <a:t>‹#›</a:t>
             </a:fld>
@@ -1867,7 +1870,7 @@
     </p:spTree>
     <p:extLst>
       <p:ext uri="{BB962C8B-B14F-4D97-AF65-F5344CB8AC3E}">
-        <p14:creationId xmlns:p14="http://schemas.microsoft.com/office/powerpoint/2010/main" val="4192856895"/>
+        <p14:creationId xmlns:p14="http://schemas.microsoft.com/office/powerpoint/2010/main" val="3630264715"/>
       </p:ext>
     </p:extLst>
   </p:cSld>
@@ -1906,15 +1909,15 @@
         </p:nvSpPr>
         <p:spPr>
           <a:xfrm>
-            <a:off x="708572" y="365760"/>
-            <a:ext cx="3317825" cy="1280160"/>
+            <a:off x="472381" y="341418"/>
+            <a:ext cx="2211884" cy="1194964"/>
           </a:xfrm>
         </p:spPr>
         <p:txBody>
           <a:bodyPr anchor="b"/>
           <a:lstStyle>
             <a:lvl1pPr>
-              <a:defRPr sz="2560"/>
+              <a:defRPr sz="2390"/>
             </a:lvl1pPr>
           </a:lstStyle>
           <a:p>
@@ -1938,39 +1941,39 @@
         </p:nvSpPr>
         <p:spPr>
           <a:xfrm>
-            <a:off x="4373315" y="789940"/>
-            <a:ext cx="5207794" cy="3898900"/>
+            <a:off x="2915543" y="737370"/>
+            <a:ext cx="3471863" cy="3639425"/>
           </a:xfrm>
         </p:spPr>
         <p:txBody>
           <a:bodyPr/>
           <a:lstStyle>
             <a:lvl1pPr>
-              <a:defRPr sz="2560"/>
+              <a:defRPr sz="2390"/>
             </a:lvl1pPr>
             <a:lvl2pPr>
-              <a:defRPr sz="2240"/>
+              <a:defRPr sz="2091"/>
             </a:lvl2pPr>
             <a:lvl3pPr>
-              <a:defRPr sz="1920"/>
+              <a:defRPr sz="1792"/>
             </a:lvl3pPr>
             <a:lvl4pPr>
-              <a:defRPr sz="1600"/>
+              <a:defRPr sz="1494"/>
             </a:lvl4pPr>
             <a:lvl5pPr>
-              <a:defRPr sz="1600"/>
+              <a:defRPr sz="1494"/>
             </a:lvl5pPr>
             <a:lvl6pPr>
-              <a:defRPr sz="1600"/>
+              <a:defRPr sz="1494"/>
             </a:lvl6pPr>
             <a:lvl7pPr>
-              <a:defRPr sz="1600"/>
+              <a:defRPr sz="1494"/>
             </a:lvl7pPr>
             <a:lvl8pPr>
-              <a:defRPr sz="1600"/>
+              <a:defRPr sz="1494"/>
             </a:lvl8pPr>
             <a:lvl9pPr>
-              <a:defRPr sz="1600"/>
+              <a:defRPr sz="1494"/>
             </a:lvl9pPr>
           </a:lstStyle>
           <a:p>
@@ -2023,8 +2026,8 @@
         </p:nvSpPr>
         <p:spPr>
           <a:xfrm>
-            <a:off x="708572" y="1645920"/>
-            <a:ext cx="3317825" cy="3049270"/>
+            <a:off x="472381" y="1536382"/>
+            <a:ext cx="2211884" cy="2846339"/>
           </a:xfrm>
         </p:spPr>
         <p:txBody>
@@ -2032,39 +2035,39 @@
           <a:lstStyle>
             <a:lvl1pPr marL="0" indent="0">
               <a:buNone/>
-              <a:defRPr sz="1280"/>
+              <a:defRPr sz="1195"/>
             </a:lvl1pPr>
-            <a:lvl2pPr marL="365760" indent="0">
-              <a:buNone/>
-              <a:defRPr sz="1120"/>
+            <a:lvl2pPr marL="341437" indent="0">
+              <a:buNone/>
+              <a:defRPr sz="1046"/>
             </a:lvl2pPr>
-            <a:lvl3pPr marL="731520" indent="0">
-              <a:buNone/>
-              <a:defRPr sz="960"/>
+            <a:lvl3pPr marL="682874" indent="0">
+              <a:buNone/>
+              <a:defRPr sz="896"/>
             </a:lvl3pPr>
-            <a:lvl4pPr marL="1097280" indent="0">
-              <a:buNone/>
-              <a:defRPr sz="800"/>
+            <a:lvl4pPr marL="1024311" indent="0">
+              <a:buNone/>
+              <a:defRPr sz="747"/>
             </a:lvl4pPr>
-            <a:lvl5pPr marL="1463040" indent="0">
-              <a:buNone/>
-              <a:defRPr sz="800"/>
+            <a:lvl5pPr marL="1365748" indent="0">
+              <a:buNone/>
+              <a:defRPr sz="747"/>
             </a:lvl5pPr>
-            <a:lvl6pPr marL="1828800" indent="0">
-              <a:buNone/>
-              <a:defRPr sz="800"/>
+            <a:lvl6pPr marL="1707185" indent="0">
+              <a:buNone/>
+              <a:defRPr sz="747"/>
             </a:lvl6pPr>
-            <a:lvl7pPr marL="2194560" indent="0">
-              <a:buNone/>
-              <a:defRPr sz="800"/>
+            <a:lvl7pPr marL="2048622" indent="0">
+              <a:buNone/>
+              <a:defRPr sz="747"/>
             </a:lvl7pPr>
-            <a:lvl8pPr marL="2560320" indent="0">
-              <a:buNone/>
-              <a:defRPr sz="800"/>
+            <a:lvl8pPr marL="2390059" indent="0">
+              <a:buNone/>
+              <a:defRPr sz="747"/>
             </a:lvl8pPr>
-            <a:lvl9pPr marL="2926080" indent="0">
-              <a:buNone/>
-              <a:defRPr sz="800"/>
+            <a:lvl9pPr marL="2731496" indent="0">
+              <a:buNone/>
+              <a:defRPr sz="747"/>
             </a:lvl9pPr>
           </a:lstStyle>
           <a:p>
@@ -2091,9 +2094,9 @@
           <a:bodyPr/>
           <a:lstStyle/>
           <a:p>
-            <a:fld id="{7B537CA4-E614-924F-B64D-30E6D54E5167}" type="datetimeFigureOut">
+            <a:fld id="{401E1E6C-EA39-C04F-8BD7-24F3AA3999CD}" type="datetimeFigureOut">
               <a:rPr lang="en-US" smtClean="0"/>
-              <a:t>9/30/20</a:t>
+              <a:t>10/13/20</a:t>
             </a:fld>
             <a:endParaRPr lang="en-US"/>
           </a:p>
@@ -2133,7 +2136,7 @@
           <a:bodyPr/>
           <a:lstStyle/>
           <a:p>
-            <a:fld id="{C84EAF6E-1079-5142-8CA0-54190AC77301}" type="slidenum">
+            <a:fld id="{BDE76867-A68E-9544-9830-80F90AD71362}" type="slidenum">
               <a:rPr lang="en-US" smtClean="0"/>
               <a:t>‹#›</a:t>
             </a:fld>
@@ -2144,7 +2147,7 @@
     </p:spTree>
     <p:extLst>
       <p:ext uri="{BB962C8B-B14F-4D97-AF65-F5344CB8AC3E}">
-        <p14:creationId xmlns:p14="http://schemas.microsoft.com/office/powerpoint/2010/main" val="4163499982"/>
+        <p14:creationId xmlns:p14="http://schemas.microsoft.com/office/powerpoint/2010/main" val="2210558449"/>
       </p:ext>
     </p:extLst>
   </p:cSld>
@@ -2183,15 +2186,15 @@
         </p:nvSpPr>
         <p:spPr>
           <a:xfrm>
-            <a:off x="708572" y="365760"/>
-            <a:ext cx="3317825" cy="1280160"/>
+            <a:off x="472381" y="341418"/>
+            <a:ext cx="2211884" cy="1194964"/>
           </a:xfrm>
         </p:spPr>
         <p:txBody>
           <a:bodyPr anchor="b"/>
           <a:lstStyle>
             <a:lvl1pPr>
-              <a:defRPr sz="2560"/>
+              <a:defRPr sz="2390"/>
             </a:lvl1pPr>
           </a:lstStyle>
           <a:p>
@@ -2215,8 +2218,8 @@
         </p:nvSpPr>
         <p:spPr>
           <a:xfrm>
-            <a:off x="4373315" y="789940"/>
-            <a:ext cx="5207794" cy="3898900"/>
+            <a:off x="2915543" y="737370"/>
+            <a:ext cx="3471863" cy="3639425"/>
           </a:xfrm>
         </p:spPr>
         <p:txBody>
@@ -2224,39 +2227,39 @@
           <a:lstStyle>
             <a:lvl1pPr marL="0" indent="0">
               <a:buNone/>
-              <a:defRPr sz="2560"/>
+              <a:defRPr sz="2390"/>
             </a:lvl1pPr>
-            <a:lvl2pPr marL="365760" indent="0">
-              <a:buNone/>
-              <a:defRPr sz="2240"/>
+            <a:lvl2pPr marL="341437" indent="0">
+              <a:buNone/>
+              <a:defRPr sz="2091"/>
             </a:lvl2pPr>
-            <a:lvl3pPr marL="731520" indent="0">
-              <a:buNone/>
-              <a:defRPr sz="1920"/>
+            <a:lvl3pPr marL="682874" indent="0">
+              <a:buNone/>
+              <a:defRPr sz="1792"/>
             </a:lvl3pPr>
-            <a:lvl4pPr marL="1097280" indent="0">
-              <a:buNone/>
-              <a:defRPr sz="1600"/>
+            <a:lvl4pPr marL="1024311" indent="0">
+              <a:buNone/>
+              <a:defRPr sz="1494"/>
             </a:lvl4pPr>
-            <a:lvl5pPr marL="1463040" indent="0">
-              <a:buNone/>
-              <a:defRPr sz="1600"/>
+            <a:lvl5pPr marL="1365748" indent="0">
+              <a:buNone/>
+              <a:defRPr sz="1494"/>
             </a:lvl5pPr>
-            <a:lvl6pPr marL="1828800" indent="0">
-              <a:buNone/>
-              <a:defRPr sz="1600"/>
+            <a:lvl6pPr marL="1707185" indent="0">
+              <a:buNone/>
+              <a:defRPr sz="1494"/>
             </a:lvl6pPr>
-            <a:lvl7pPr marL="2194560" indent="0">
-              <a:buNone/>
-              <a:defRPr sz="1600"/>
+            <a:lvl7pPr marL="2048622" indent="0">
+              <a:buNone/>
+              <a:defRPr sz="1494"/>
             </a:lvl7pPr>
-            <a:lvl8pPr marL="2560320" indent="0">
-              <a:buNone/>
-              <a:defRPr sz="1600"/>
+            <a:lvl8pPr marL="2390059" indent="0">
+              <a:buNone/>
+              <a:defRPr sz="1494"/>
             </a:lvl8pPr>
-            <a:lvl9pPr marL="2926080" indent="0">
-              <a:buNone/>
-              <a:defRPr sz="1600"/>
+            <a:lvl9pPr marL="2731496" indent="0">
+              <a:buNone/>
+              <a:defRPr sz="1494"/>
             </a:lvl9pPr>
           </a:lstStyle>
           <a:p>
@@ -2280,8 +2283,8 @@
         </p:nvSpPr>
         <p:spPr>
           <a:xfrm>
-            <a:off x="708572" y="1645920"/>
-            <a:ext cx="3317825" cy="3049270"/>
+            <a:off x="472381" y="1536382"/>
+            <a:ext cx="2211884" cy="2846339"/>
           </a:xfrm>
         </p:spPr>
         <p:txBody>
@@ -2289,39 +2292,39 @@
           <a:lstStyle>
             <a:lvl1pPr marL="0" indent="0">
               <a:buNone/>
-              <a:defRPr sz="1280"/>
+              <a:defRPr sz="1195"/>
             </a:lvl1pPr>
-            <a:lvl2pPr marL="365760" indent="0">
-              <a:buNone/>
-              <a:defRPr sz="1120"/>
+            <a:lvl2pPr marL="341437" indent="0">
+              <a:buNone/>
+              <a:defRPr sz="1046"/>
             </a:lvl2pPr>
-            <a:lvl3pPr marL="731520" indent="0">
-              <a:buNone/>
-              <a:defRPr sz="960"/>
+            <a:lvl3pPr marL="682874" indent="0">
+              <a:buNone/>
+              <a:defRPr sz="896"/>
             </a:lvl3pPr>
-            <a:lvl4pPr marL="1097280" indent="0">
-              <a:buNone/>
-              <a:defRPr sz="800"/>
+            <a:lvl4pPr marL="1024311" indent="0">
+              <a:buNone/>
+              <a:defRPr sz="747"/>
             </a:lvl4pPr>
-            <a:lvl5pPr marL="1463040" indent="0">
-              <a:buNone/>
-              <a:defRPr sz="800"/>
+            <a:lvl5pPr marL="1365748" indent="0">
+              <a:buNone/>
+              <a:defRPr sz="747"/>
             </a:lvl5pPr>
-            <a:lvl6pPr marL="1828800" indent="0">
-              <a:buNone/>
-              <a:defRPr sz="800"/>
+            <a:lvl6pPr marL="1707185" indent="0">
+              <a:buNone/>
+              <a:defRPr sz="747"/>
             </a:lvl6pPr>
-            <a:lvl7pPr marL="2194560" indent="0">
-              <a:buNone/>
-              <a:defRPr sz="800"/>
+            <a:lvl7pPr marL="2048622" indent="0">
+              <a:buNone/>
+              <a:defRPr sz="747"/>
             </a:lvl7pPr>
-            <a:lvl8pPr marL="2560320" indent="0">
-              <a:buNone/>
-              <a:defRPr sz="800"/>
+            <a:lvl8pPr marL="2390059" indent="0">
+              <a:buNone/>
+              <a:defRPr sz="747"/>
             </a:lvl8pPr>
-            <a:lvl9pPr marL="2926080" indent="0">
-              <a:buNone/>
-              <a:defRPr sz="800"/>
+            <a:lvl9pPr marL="2731496" indent="0">
+              <a:buNone/>
+              <a:defRPr sz="747"/>
             </a:lvl9pPr>
           </a:lstStyle>
           <a:p>
@@ -2348,9 +2351,9 @@
           <a:bodyPr/>
           <a:lstStyle/>
           <a:p>
-            <a:fld id="{7B537CA4-E614-924F-B64D-30E6D54E5167}" type="datetimeFigureOut">
+            <a:fld id="{401E1E6C-EA39-C04F-8BD7-24F3AA3999CD}" type="datetimeFigureOut">
               <a:rPr lang="en-US" smtClean="0"/>
-              <a:t>9/30/20</a:t>
+              <a:t>10/13/20</a:t>
             </a:fld>
             <a:endParaRPr lang="en-US"/>
           </a:p>
@@ -2390,7 +2393,7 @@
           <a:bodyPr/>
           <a:lstStyle/>
           <a:p>
-            <a:fld id="{C84EAF6E-1079-5142-8CA0-54190AC77301}" type="slidenum">
+            <a:fld id="{BDE76867-A68E-9544-9830-80F90AD71362}" type="slidenum">
               <a:rPr lang="en-US" smtClean="0"/>
               <a:t>‹#›</a:t>
             </a:fld>
@@ -2401,7 +2404,7 @@
     </p:spTree>
     <p:extLst>
       <p:ext uri="{BB962C8B-B14F-4D97-AF65-F5344CB8AC3E}">
-        <p14:creationId xmlns:p14="http://schemas.microsoft.com/office/powerpoint/2010/main" val="107775563"/>
+        <p14:creationId xmlns:p14="http://schemas.microsoft.com/office/powerpoint/2010/main" val="162891722"/>
       </p:ext>
     </p:extLst>
   </p:cSld>
@@ -2445,8 +2448,8 @@
         </p:nvSpPr>
         <p:spPr>
           <a:xfrm>
-            <a:off x="707231" y="292101"/>
-            <a:ext cx="8872538" cy="1060450"/>
+            <a:off x="471488" y="272662"/>
+            <a:ext cx="5915025" cy="989876"/>
           </a:xfrm>
           <a:prstGeom prst="rect">
             <a:avLst/>
@@ -2478,8 +2481,8 @@
         </p:nvSpPr>
         <p:spPr>
           <a:xfrm>
-            <a:off x="707231" y="1460500"/>
-            <a:ext cx="8872538" cy="3481070"/>
+            <a:off x="471488" y="1363302"/>
+            <a:ext cx="5915025" cy="3249402"/>
           </a:xfrm>
           <a:prstGeom prst="rect">
             <a:avLst/>
@@ -2540,8 +2543,8 @@
         </p:nvSpPr>
         <p:spPr>
           <a:xfrm>
-            <a:off x="707231" y="5085080"/>
-            <a:ext cx="2314575" cy="292100"/>
+            <a:off x="471488" y="4746665"/>
+            <a:ext cx="1543050" cy="272660"/>
           </a:xfrm>
           <a:prstGeom prst="rect">
             <a:avLst/>
@@ -2551,7 +2554,7 @@
           <a:bodyPr vert="horz" lIns="91440" tIns="45720" rIns="91440" bIns="45720" rtlCol="0" anchor="ctr"/>
           <a:lstStyle>
             <a:lvl1pPr algn="l">
-              <a:defRPr sz="960">
+              <a:defRPr sz="896">
                 <a:solidFill>
                   <a:schemeClr val="tx1">
                     <a:tint val="75000"/>
@@ -2561,9 +2564,9 @@
             </a:lvl1pPr>
           </a:lstStyle>
           <a:p>
-            <a:fld id="{7B537CA4-E614-924F-B64D-30E6D54E5167}" type="datetimeFigureOut">
+            <a:fld id="{401E1E6C-EA39-C04F-8BD7-24F3AA3999CD}" type="datetimeFigureOut">
               <a:rPr lang="en-US" smtClean="0"/>
-              <a:t>9/30/20</a:t>
+              <a:t>10/13/20</a:t>
             </a:fld>
             <a:endParaRPr lang="en-US"/>
           </a:p>
@@ -2581,8 +2584,8 @@
         </p:nvSpPr>
         <p:spPr>
           <a:xfrm>
-            <a:off x="3407569" y="5085080"/>
-            <a:ext cx="3471863" cy="292100"/>
+            <a:off x="2271713" y="4746665"/>
+            <a:ext cx="2314575" cy="272660"/>
           </a:xfrm>
           <a:prstGeom prst="rect">
             <a:avLst/>
@@ -2592,7 +2595,7 @@
           <a:bodyPr vert="horz" lIns="91440" tIns="45720" rIns="91440" bIns="45720" rtlCol="0" anchor="ctr"/>
           <a:lstStyle>
             <a:lvl1pPr algn="ctr">
-              <a:defRPr sz="960">
+              <a:defRPr sz="896">
                 <a:solidFill>
                   <a:schemeClr val="tx1">
                     <a:tint val="75000"/>
@@ -2618,8 +2621,8 @@
         </p:nvSpPr>
         <p:spPr>
           <a:xfrm>
-            <a:off x="7265194" y="5085080"/>
-            <a:ext cx="2314575" cy="292100"/>
+            <a:off x="4843463" y="4746665"/>
+            <a:ext cx="1543050" cy="272660"/>
           </a:xfrm>
           <a:prstGeom prst="rect">
             <a:avLst/>
@@ -2629,7 +2632,7 @@
           <a:bodyPr vert="horz" lIns="91440" tIns="45720" rIns="91440" bIns="45720" rtlCol="0" anchor="ctr"/>
           <a:lstStyle>
             <a:lvl1pPr algn="r">
-              <a:defRPr sz="960">
+              <a:defRPr sz="896">
                 <a:solidFill>
                   <a:schemeClr val="tx1">
                     <a:tint val="75000"/>
@@ -2639,7 +2642,7 @@
             </a:lvl1pPr>
           </a:lstStyle>
           <a:p>
-            <a:fld id="{C84EAF6E-1079-5142-8CA0-54190AC77301}" type="slidenum">
+            <a:fld id="{BDE76867-A68E-9544-9830-80F90AD71362}" type="slidenum">
               <a:rPr lang="en-US" smtClean="0"/>
               <a:t>‹#›</a:t>
             </a:fld>
@@ -2650,7 +2653,7 @@
     </p:spTree>
     <p:extLst>
       <p:ext uri="{BB962C8B-B14F-4D97-AF65-F5344CB8AC3E}">
-        <p14:creationId xmlns:p14="http://schemas.microsoft.com/office/powerpoint/2010/main" val="3603797977"/>
+        <p14:creationId xmlns:p14="http://schemas.microsoft.com/office/powerpoint/2010/main" val="3876114615"/>
       </p:ext>
     </p:extLst>
   </p:cSld>
@@ -2670,7 +2673,7 @@
   </p:sldLayoutIdLst>
   <p:txStyles>
     <p:titleStyle>
-      <a:lvl1pPr algn="l" defTabSz="731520" rtl="0" eaLnBrk="1" latinLnBrk="0" hangingPunct="1">
+      <a:lvl1pPr algn="l" defTabSz="682874" rtl="0" eaLnBrk="1" latinLnBrk="0" hangingPunct="1">
         <a:lnSpc>
           <a:spcPct val="90000"/>
         </a:lnSpc>
@@ -2678,7 +2681,7 @@
           <a:spcPct val="0"/>
         </a:spcBef>
         <a:buNone/>
-        <a:defRPr sz="3520" kern="1200">
+        <a:defRPr sz="3286" kern="1200">
           <a:solidFill>
             <a:schemeClr val="tx1"/>
           </a:solidFill>
@@ -2689,16 +2692,16 @@
       </a:lvl1pPr>
     </p:titleStyle>
     <p:bodyStyle>
-      <a:lvl1pPr marL="182880" indent="-182880" algn="l" defTabSz="731520" rtl="0" eaLnBrk="1" latinLnBrk="0" hangingPunct="1">
+      <a:lvl1pPr marL="170718" indent="-170718" algn="l" defTabSz="682874" rtl="0" eaLnBrk="1" latinLnBrk="0" hangingPunct="1">
         <a:lnSpc>
           <a:spcPct val="90000"/>
         </a:lnSpc>
         <a:spcBef>
-          <a:spcPts val="800"/>
+          <a:spcPts val="747"/>
         </a:spcBef>
         <a:buFont typeface="Arial" panose="020B0604020202020204" pitchFamily="34" charset="0"/>
         <a:buChar char="•"/>
-        <a:defRPr sz="2240" kern="1200">
+        <a:defRPr sz="2091" kern="1200">
           <a:solidFill>
             <a:schemeClr val="tx1"/>
           </a:solidFill>
@@ -2707,16 +2710,16 @@
           <a:cs typeface="+mn-cs"/>
         </a:defRPr>
       </a:lvl1pPr>
-      <a:lvl2pPr marL="548640" indent="-182880" algn="l" defTabSz="731520" rtl="0" eaLnBrk="1" latinLnBrk="0" hangingPunct="1">
+      <a:lvl2pPr marL="512155" indent="-170718" algn="l" defTabSz="682874" rtl="0" eaLnBrk="1" latinLnBrk="0" hangingPunct="1">
         <a:lnSpc>
           <a:spcPct val="90000"/>
         </a:lnSpc>
         <a:spcBef>
-          <a:spcPts val="400"/>
+          <a:spcPts val="373"/>
         </a:spcBef>
         <a:buFont typeface="Arial" panose="020B0604020202020204" pitchFamily="34" charset="0"/>
         <a:buChar char="•"/>
-        <a:defRPr sz="1920" kern="1200">
+        <a:defRPr sz="1792" kern="1200">
           <a:solidFill>
             <a:schemeClr val="tx1"/>
           </a:solidFill>
@@ -2725,16 +2728,16 @@
           <a:cs typeface="+mn-cs"/>
         </a:defRPr>
       </a:lvl2pPr>
-      <a:lvl3pPr marL="914400" indent="-182880" algn="l" defTabSz="731520" rtl="0" eaLnBrk="1" latinLnBrk="0" hangingPunct="1">
+      <a:lvl3pPr marL="853592" indent="-170718" algn="l" defTabSz="682874" rtl="0" eaLnBrk="1" latinLnBrk="0" hangingPunct="1">
         <a:lnSpc>
           <a:spcPct val="90000"/>
         </a:lnSpc>
         <a:spcBef>
-          <a:spcPts val="400"/>
+          <a:spcPts val="373"/>
         </a:spcBef>
         <a:buFont typeface="Arial" panose="020B0604020202020204" pitchFamily="34" charset="0"/>
         <a:buChar char="•"/>
-        <a:defRPr sz="1600" kern="1200">
+        <a:defRPr sz="1494" kern="1200">
           <a:solidFill>
             <a:schemeClr val="tx1"/>
           </a:solidFill>
@@ -2743,16 +2746,16 @@
           <a:cs typeface="+mn-cs"/>
         </a:defRPr>
       </a:lvl3pPr>
-      <a:lvl4pPr marL="1280160" indent="-182880" algn="l" defTabSz="731520" rtl="0" eaLnBrk="1" latinLnBrk="0" hangingPunct="1">
+      <a:lvl4pPr marL="1195029" indent="-170718" algn="l" defTabSz="682874" rtl="0" eaLnBrk="1" latinLnBrk="0" hangingPunct="1">
         <a:lnSpc>
           <a:spcPct val="90000"/>
         </a:lnSpc>
         <a:spcBef>
-          <a:spcPts val="400"/>
+          <a:spcPts val="373"/>
         </a:spcBef>
         <a:buFont typeface="Arial" panose="020B0604020202020204" pitchFamily="34" charset="0"/>
         <a:buChar char="•"/>
-        <a:defRPr sz="1440" kern="1200">
+        <a:defRPr sz="1344" kern="1200">
           <a:solidFill>
             <a:schemeClr val="tx1"/>
           </a:solidFill>
@@ -2761,16 +2764,16 @@
           <a:cs typeface="+mn-cs"/>
         </a:defRPr>
       </a:lvl4pPr>
-      <a:lvl5pPr marL="1645920" indent="-182880" algn="l" defTabSz="731520" rtl="0" eaLnBrk="1" latinLnBrk="0" hangingPunct="1">
+      <a:lvl5pPr marL="1536466" indent="-170718" algn="l" defTabSz="682874" rtl="0" eaLnBrk="1" latinLnBrk="0" hangingPunct="1">
         <a:lnSpc>
           <a:spcPct val="90000"/>
         </a:lnSpc>
         <a:spcBef>
-          <a:spcPts val="400"/>
+          <a:spcPts val="373"/>
         </a:spcBef>
         <a:buFont typeface="Arial" panose="020B0604020202020204" pitchFamily="34" charset="0"/>
         <a:buChar char="•"/>
-        <a:defRPr sz="1440" kern="1200">
+        <a:defRPr sz="1344" kern="1200">
           <a:solidFill>
             <a:schemeClr val="tx1"/>
           </a:solidFill>
@@ -2779,16 +2782,16 @@
           <a:cs typeface="+mn-cs"/>
         </a:defRPr>
       </a:lvl5pPr>
-      <a:lvl6pPr marL="2011680" indent="-182880" algn="l" defTabSz="731520" rtl="0" eaLnBrk="1" latinLnBrk="0" hangingPunct="1">
+      <a:lvl6pPr marL="1877903" indent="-170718" algn="l" defTabSz="682874" rtl="0" eaLnBrk="1" latinLnBrk="0" hangingPunct="1">
         <a:lnSpc>
           <a:spcPct val="90000"/>
         </a:lnSpc>
         <a:spcBef>
-          <a:spcPts val="400"/>
+          <a:spcPts val="373"/>
         </a:spcBef>
         <a:buFont typeface="Arial" panose="020B0604020202020204" pitchFamily="34" charset="0"/>
         <a:buChar char="•"/>
-        <a:defRPr sz="1440" kern="1200">
+        <a:defRPr sz="1344" kern="1200">
           <a:solidFill>
             <a:schemeClr val="tx1"/>
           </a:solidFill>
@@ -2797,16 +2800,16 @@
           <a:cs typeface="+mn-cs"/>
         </a:defRPr>
       </a:lvl6pPr>
-      <a:lvl7pPr marL="2377440" indent="-182880" algn="l" defTabSz="731520" rtl="0" eaLnBrk="1" latinLnBrk="0" hangingPunct="1">
+      <a:lvl7pPr marL="2219340" indent="-170718" algn="l" defTabSz="682874" rtl="0" eaLnBrk="1" latinLnBrk="0" hangingPunct="1">
         <a:lnSpc>
           <a:spcPct val="90000"/>
         </a:lnSpc>
         <a:spcBef>
-          <a:spcPts val="400"/>
+          <a:spcPts val="373"/>
         </a:spcBef>
         <a:buFont typeface="Arial" panose="020B0604020202020204" pitchFamily="34" charset="0"/>
         <a:buChar char="•"/>
-        <a:defRPr sz="1440" kern="1200">
+        <a:defRPr sz="1344" kern="1200">
           <a:solidFill>
             <a:schemeClr val="tx1"/>
           </a:solidFill>
@@ -2815,16 +2818,16 @@
           <a:cs typeface="+mn-cs"/>
         </a:defRPr>
       </a:lvl7pPr>
-      <a:lvl8pPr marL="2743200" indent="-182880" algn="l" defTabSz="731520" rtl="0" eaLnBrk="1" latinLnBrk="0" hangingPunct="1">
+      <a:lvl8pPr marL="2560777" indent="-170718" algn="l" defTabSz="682874" rtl="0" eaLnBrk="1" latinLnBrk="0" hangingPunct="1">
         <a:lnSpc>
           <a:spcPct val="90000"/>
         </a:lnSpc>
         <a:spcBef>
-          <a:spcPts val="400"/>
+          <a:spcPts val="373"/>
         </a:spcBef>
         <a:buFont typeface="Arial" panose="020B0604020202020204" pitchFamily="34" charset="0"/>
         <a:buChar char="•"/>
-        <a:defRPr sz="1440" kern="1200">
+        <a:defRPr sz="1344" kern="1200">
           <a:solidFill>
             <a:schemeClr val="tx1"/>
           </a:solidFill>
@@ -2833,16 +2836,16 @@
           <a:cs typeface="+mn-cs"/>
         </a:defRPr>
       </a:lvl8pPr>
-      <a:lvl9pPr marL="3108960" indent="-182880" algn="l" defTabSz="731520" rtl="0" eaLnBrk="1" latinLnBrk="0" hangingPunct="1">
+      <a:lvl9pPr marL="2902214" indent="-170718" algn="l" defTabSz="682874" rtl="0" eaLnBrk="1" latinLnBrk="0" hangingPunct="1">
         <a:lnSpc>
           <a:spcPct val="90000"/>
         </a:lnSpc>
         <a:spcBef>
-          <a:spcPts val="400"/>
+          <a:spcPts val="373"/>
         </a:spcBef>
         <a:buFont typeface="Arial" panose="020B0604020202020204" pitchFamily="34" charset="0"/>
         <a:buChar char="•"/>
-        <a:defRPr sz="1440" kern="1200">
+        <a:defRPr sz="1344" kern="1200">
           <a:solidFill>
             <a:schemeClr val="tx1"/>
           </a:solidFill>
@@ -2856,8 +2859,8 @@
       <a:defPPr>
         <a:defRPr lang="en-US"/>
       </a:defPPr>
-      <a:lvl1pPr marL="0" algn="l" defTabSz="731520" rtl="0" eaLnBrk="1" latinLnBrk="0" hangingPunct="1">
-        <a:defRPr sz="1440" kern="1200">
+      <a:lvl1pPr marL="0" algn="l" defTabSz="682874" rtl="0" eaLnBrk="1" latinLnBrk="0" hangingPunct="1">
+        <a:defRPr sz="1344" kern="1200">
           <a:solidFill>
             <a:schemeClr val="tx1"/>
           </a:solidFill>
@@ -2866,8 +2869,8 @@
           <a:cs typeface="+mn-cs"/>
         </a:defRPr>
       </a:lvl1pPr>
-      <a:lvl2pPr marL="365760" algn="l" defTabSz="731520" rtl="0" eaLnBrk="1" latinLnBrk="0" hangingPunct="1">
-        <a:defRPr sz="1440" kern="1200">
+      <a:lvl2pPr marL="341437" algn="l" defTabSz="682874" rtl="0" eaLnBrk="1" latinLnBrk="0" hangingPunct="1">
+        <a:defRPr sz="1344" kern="1200">
           <a:solidFill>
             <a:schemeClr val="tx1"/>
           </a:solidFill>
@@ -2876,8 +2879,8 @@
           <a:cs typeface="+mn-cs"/>
         </a:defRPr>
       </a:lvl2pPr>
-      <a:lvl3pPr marL="731520" algn="l" defTabSz="731520" rtl="0" eaLnBrk="1" latinLnBrk="0" hangingPunct="1">
-        <a:defRPr sz="1440" kern="1200">
+      <a:lvl3pPr marL="682874" algn="l" defTabSz="682874" rtl="0" eaLnBrk="1" latinLnBrk="0" hangingPunct="1">
+        <a:defRPr sz="1344" kern="1200">
           <a:solidFill>
             <a:schemeClr val="tx1"/>
           </a:solidFill>
@@ -2886,8 +2889,8 @@
           <a:cs typeface="+mn-cs"/>
         </a:defRPr>
       </a:lvl3pPr>
-      <a:lvl4pPr marL="1097280" algn="l" defTabSz="731520" rtl="0" eaLnBrk="1" latinLnBrk="0" hangingPunct="1">
-        <a:defRPr sz="1440" kern="1200">
+      <a:lvl4pPr marL="1024311" algn="l" defTabSz="682874" rtl="0" eaLnBrk="1" latinLnBrk="0" hangingPunct="1">
+        <a:defRPr sz="1344" kern="1200">
           <a:solidFill>
             <a:schemeClr val="tx1"/>
           </a:solidFill>
@@ -2896,8 +2899,8 @@
           <a:cs typeface="+mn-cs"/>
         </a:defRPr>
       </a:lvl4pPr>
-      <a:lvl5pPr marL="1463040" algn="l" defTabSz="731520" rtl="0" eaLnBrk="1" latinLnBrk="0" hangingPunct="1">
-        <a:defRPr sz="1440" kern="1200">
+      <a:lvl5pPr marL="1365748" algn="l" defTabSz="682874" rtl="0" eaLnBrk="1" latinLnBrk="0" hangingPunct="1">
+        <a:defRPr sz="1344" kern="1200">
           <a:solidFill>
             <a:schemeClr val="tx1"/>
           </a:solidFill>
@@ -2906,8 +2909,8 @@
           <a:cs typeface="+mn-cs"/>
         </a:defRPr>
       </a:lvl5pPr>
-      <a:lvl6pPr marL="1828800" algn="l" defTabSz="731520" rtl="0" eaLnBrk="1" latinLnBrk="0" hangingPunct="1">
-        <a:defRPr sz="1440" kern="1200">
+      <a:lvl6pPr marL="1707185" algn="l" defTabSz="682874" rtl="0" eaLnBrk="1" latinLnBrk="0" hangingPunct="1">
+        <a:defRPr sz="1344" kern="1200">
           <a:solidFill>
             <a:schemeClr val="tx1"/>
           </a:solidFill>
@@ -2916,8 +2919,8 @@
           <a:cs typeface="+mn-cs"/>
         </a:defRPr>
       </a:lvl6pPr>
-      <a:lvl7pPr marL="2194560" algn="l" defTabSz="731520" rtl="0" eaLnBrk="1" latinLnBrk="0" hangingPunct="1">
-        <a:defRPr sz="1440" kern="1200">
+      <a:lvl7pPr marL="2048622" algn="l" defTabSz="682874" rtl="0" eaLnBrk="1" latinLnBrk="0" hangingPunct="1">
+        <a:defRPr sz="1344" kern="1200">
           <a:solidFill>
             <a:schemeClr val="tx1"/>
           </a:solidFill>
@@ -2926,8 +2929,8 @@
           <a:cs typeface="+mn-cs"/>
         </a:defRPr>
       </a:lvl7pPr>
-      <a:lvl8pPr marL="2560320" algn="l" defTabSz="731520" rtl="0" eaLnBrk="1" latinLnBrk="0" hangingPunct="1">
-        <a:defRPr sz="1440" kern="1200">
+      <a:lvl8pPr marL="2390059" algn="l" defTabSz="682874" rtl="0" eaLnBrk="1" latinLnBrk="0" hangingPunct="1">
+        <a:defRPr sz="1344" kern="1200">
           <a:solidFill>
             <a:schemeClr val="tx1"/>
           </a:solidFill>
@@ -2936,8 +2939,8 @@
           <a:cs typeface="+mn-cs"/>
         </a:defRPr>
       </a:lvl8pPr>
-      <a:lvl9pPr marL="2926080" algn="l" defTabSz="731520" rtl="0" eaLnBrk="1" latinLnBrk="0" hangingPunct="1">
-        <a:defRPr sz="1440" kern="1200">
+      <a:lvl9pPr marL="2731496" algn="l" defTabSz="682874" rtl="0" eaLnBrk="1" latinLnBrk="0" hangingPunct="1">
+        <a:defRPr sz="1344" kern="1200">
           <a:solidFill>
             <a:schemeClr val="tx1"/>
           </a:solidFill>
@@ -2970,10 +2973,10 @@
       </p:grpSpPr>
       <p:pic>
         <p:nvPicPr>
-          <p:cNvPr id="5" name="Picture 4">
+          <p:cNvPr id="3" name="Picture 2">
             <a:extLst>
               <a:ext uri="{FF2B5EF4-FFF2-40B4-BE49-F238E27FC236}">
-                <a16:creationId xmlns:a16="http://schemas.microsoft.com/office/drawing/2014/main" id="{A3FDEAD0-C1BD-5A4F-9C6F-EBD5EBD45EF4}"/>
+                <a16:creationId xmlns:a16="http://schemas.microsoft.com/office/drawing/2014/main" id="{2B8D2A37-3DA4-0643-BAD6-F613150A9E0E}"/>
               </a:ext>
             </a:extLst>
           </p:cNvPr>
@@ -2984,13 +2987,13 @@
         </p:nvPicPr>
         <p:blipFill rotWithShape="1">
           <a:blip r:embed="rId2"/>
-          <a:srcRect l="11760" t="9755" r="7884" b="11757"/>
+          <a:srcRect l="3805" b="52584"/>
           <a:stretch/>
         </p:blipFill>
         <p:spPr>
           <a:xfrm>
-            <a:off x="969124" y="118492"/>
-            <a:ext cx="9274332" cy="4831308"/>
+            <a:off x="429997" y="69138"/>
+            <a:ext cx="6307103" cy="3143407"/>
           </a:xfrm>
           <a:prstGeom prst="rect">
             <a:avLst/>
@@ -2999,10 +3002,10 @@
       </p:pic>
       <p:sp>
         <p:nvSpPr>
-          <p:cNvPr id="11" name="Rectangle 10">
+          <p:cNvPr id="6" name="Rectangle 5">
             <a:extLst>
               <a:ext uri="{FF2B5EF4-FFF2-40B4-BE49-F238E27FC236}">
-                <a16:creationId xmlns:a16="http://schemas.microsoft.com/office/drawing/2014/main" id="{75F4BDCF-9408-BA45-BD01-96511B1381F4}"/>
+                <a16:creationId xmlns:a16="http://schemas.microsoft.com/office/drawing/2014/main" id="{374DD333-6C9E-B34E-96BD-9901BB89918F}"/>
               </a:ext>
             </a:extLst>
           </p:cNvPr>
@@ -3011,8 +3014,8 @@
         </p:nvSpPr>
         <p:spPr>
           <a:xfrm>
-            <a:off x="585163" y="623304"/>
-            <a:ext cx="397866" cy="276999"/>
+            <a:off x="1929749" y="43736"/>
+            <a:ext cx="696024" cy="338554"/>
           </a:xfrm>
           <a:prstGeom prst="rect">
             <a:avLst/>
@@ -3027,26 +3030,25 @@
           </a:bodyPr>
           <a:lstStyle/>
           <a:p>
-            <a:pPr defTabSz="669341"/>
-            <a:r>
-              <a:rPr lang="en-US" sz="1200" kern="0" dirty="0">
+            <a:r>
+              <a:rPr lang="en-US" sz="1600" dirty="0">
                 <a:solidFill>
                   <a:srgbClr val="262626"/>
                 </a:solidFill>
                 <a:latin typeface="Arial" panose="020B0604020202020204" pitchFamily="34" charset="0"/>
                 <a:cs typeface="Arial" panose="020B0604020202020204" pitchFamily="34" charset="0"/>
               </a:rPr>
-              <a:t>1.0</a:t>
-            </a:r>
-          </a:p>
-        </p:txBody>
-      </p:sp>
-      <p:sp>
-        <p:nvSpPr>
-          <p:cNvPr id="12" name="Rectangle 11">
+              <a:t>Spike</a:t>
+            </a:r>
+          </a:p>
+        </p:txBody>
+      </p:sp>
+      <p:sp>
+        <p:nvSpPr>
+          <p:cNvPr id="7" name="Rectangle 6">
             <a:extLst>
               <a:ext uri="{FF2B5EF4-FFF2-40B4-BE49-F238E27FC236}">
-                <a16:creationId xmlns:a16="http://schemas.microsoft.com/office/drawing/2014/main" id="{2E6FF0C3-CE72-3D47-854D-357F4689B65A}"/>
+                <a16:creationId xmlns:a16="http://schemas.microsoft.com/office/drawing/2014/main" id="{AC8BDF27-0A36-C94B-9B1A-C501862E5B24}"/>
               </a:ext>
             </a:extLst>
           </p:cNvPr>
@@ -3055,8 +3057,8 @@
         </p:nvSpPr>
         <p:spPr>
           <a:xfrm>
-            <a:off x="585163" y="1388379"/>
-            <a:ext cx="397866" cy="276999"/>
+            <a:off x="5251898" y="43736"/>
+            <a:ext cx="434734" cy="338554"/>
           </a:xfrm>
           <a:prstGeom prst="rect">
             <a:avLst/>
@@ -3071,36 +3073,64 @@
           </a:bodyPr>
           <a:lstStyle/>
           <a:p>
-            <a:pPr defTabSz="669341"/>
-            <a:r>
-              <a:rPr lang="en-US" sz="1200" kern="0" dirty="0">
+            <a:r>
+              <a:rPr lang="en-US" sz="1600" dirty="0">
                 <a:solidFill>
                   <a:srgbClr val="262626"/>
                 </a:solidFill>
                 <a:latin typeface="Arial" panose="020B0604020202020204" pitchFamily="34" charset="0"/>
                 <a:cs typeface="Arial" panose="020B0604020202020204" pitchFamily="34" charset="0"/>
               </a:rPr>
-              <a:t>0.8</a:t>
-            </a:r>
-          </a:p>
-        </p:txBody>
-      </p:sp>
-      <p:sp>
-        <p:nvSpPr>
-          <p:cNvPr id="13" name="Rectangle 12">
+              <a:t>S1</a:t>
+            </a:r>
+          </a:p>
+        </p:txBody>
+      </p:sp>
+      <p:pic>
+        <p:nvPicPr>
+          <p:cNvPr id="10" name="Picture 9">
             <a:extLst>
               <a:ext uri="{FF2B5EF4-FFF2-40B4-BE49-F238E27FC236}">
-                <a16:creationId xmlns:a16="http://schemas.microsoft.com/office/drawing/2014/main" id="{6B684AB6-A7BF-EB40-9CD9-9D6EB0392598}"/>
+                <a16:creationId xmlns:a16="http://schemas.microsoft.com/office/drawing/2014/main" id="{2A8F8540-835D-314E-8DC3-3A27EAF08013}"/>
               </a:ext>
             </a:extLst>
           </p:cNvPr>
-          <p:cNvSpPr/>
+          <p:cNvPicPr>
+            <a:picLocks noChangeAspect="1"/>
+          </p:cNvPicPr>
           <p:nvPr/>
-        </p:nvSpPr>
+        </p:nvPicPr>
+        <p:blipFill rotWithShape="1">
+          <a:blip r:embed="rId2"/>
+          <a:srcRect l="3805" t="75565" b="3600"/>
+          <a:stretch/>
+        </p:blipFill>
         <p:spPr>
           <a:xfrm>
-            <a:off x="571258" y="2153454"/>
-            <a:ext cx="397866" cy="276999"/>
+            <a:off x="429997" y="3553114"/>
+            <a:ext cx="6307103" cy="1381246"/>
+          </a:xfrm>
+          <a:prstGeom prst="rect">
+            <a:avLst/>
+          </a:prstGeom>
+        </p:spPr>
+      </p:pic>
+      <p:sp>
+        <p:nvSpPr>
+          <p:cNvPr id="11" name="TextBox 10">
+            <a:extLst>
+              <a:ext uri="{FF2B5EF4-FFF2-40B4-BE49-F238E27FC236}">
+                <a16:creationId xmlns:a16="http://schemas.microsoft.com/office/drawing/2014/main" id="{03FB3531-078C-4547-957F-25BAC7042337}"/>
+              </a:ext>
+            </a:extLst>
+          </p:cNvPr>
+          <p:cNvSpPr txBox="1"/>
+          <p:nvPr/>
+        </p:nvSpPr>
+        <p:spPr>
+          <a:xfrm rot="16200000">
+            <a:off x="-1352865" y="2154874"/>
+            <a:ext cx="3227165" cy="338554"/>
           </a:xfrm>
           <a:prstGeom prst="rect">
             <a:avLst/>
@@ -3110,31 +3140,30 @@
           </a:solidFill>
         </p:spPr>
         <p:txBody>
-          <a:bodyPr wrap="none">
+          <a:bodyPr wrap="none" rtlCol="0">
             <a:spAutoFit/>
           </a:bodyPr>
           <a:lstStyle/>
           <a:p>
-            <a:pPr defTabSz="669341"/>
-            <a:r>
-              <a:rPr lang="en-US" sz="1200" kern="0" dirty="0">
+            <a:r>
+              <a:rPr lang="en-US" sz="1600" dirty="0">
                 <a:solidFill>
                   <a:srgbClr val="262626"/>
                 </a:solidFill>
                 <a:latin typeface="Arial" panose="020B0604020202020204" pitchFamily="34" charset="0"/>
                 <a:cs typeface="Arial" panose="020B0604020202020204" pitchFamily="34" charset="0"/>
               </a:rPr>
-              <a:t>0.6</a:t>
-            </a:r>
-          </a:p>
-        </p:txBody>
-      </p:sp>
-      <p:sp>
-        <p:nvSpPr>
-          <p:cNvPr id="14" name="Rectangle 13">
+              <a:t>Adaptive Substitutions per Codon</a:t>
+            </a:r>
+          </a:p>
+        </p:txBody>
+      </p:sp>
+      <p:sp>
+        <p:nvSpPr>
+          <p:cNvPr id="8" name="Rectangle 7">
             <a:extLst>
               <a:ext uri="{FF2B5EF4-FFF2-40B4-BE49-F238E27FC236}">
-                <a16:creationId xmlns:a16="http://schemas.microsoft.com/office/drawing/2014/main" id="{60C41BAE-F691-544F-A5E8-9ECD35824815}"/>
+                <a16:creationId xmlns:a16="http://schemas.microsoft.com/office/drawing/2014/main" id="{60C14543-BAFD-7347-8F5E-5B1A1D064549}"/>
               </a:ext>
             </a:extLst>
           </p:cNvPr>
@@ -3143,8 +3172,8 @@
         </p:nvSpPr>
         <p:spPr>
           <a:xfrm>
-            <a:off x="585163" y="2918529"/>
-            <a:ext cx="397866" cy="276999"/>
+            <a:off x="5115646" y="3383837"/>
+            <a:ext cx="707245" cy="338554"/>
           </a:xfrm>
           <a:prstGeom prst="rect">
             <a:avLst/>
@@ -3159,36 +3188,35 @@
           </a:bodyPr>
           <a:lstStyle/>
           <a:p>
-            <a:pPr defTabSz="669341"/>
-            <a:r>
-              <a:rPr lang="en-US" sz="1200" kern="0" dirty="0">
+            <a:r>
+              <a:rPr lang="en-US" sz="1600" dirty="0">
                 <a:solidFill>
                   <a:srgbClr val="262626"/>
                 </a:solidFill>
                 <a:latin typeface="Arial" panose="020B0604020202020204" pitchFamily="34" charset="0"/>
                 <a:cs typeface="Arial" panose="020B0604020202020204" pitchFamily="34" charset="0"/>
               </a:rPr>
-              <a:t>0.4</a:t>
-            </a:r>
-          </a:p>
-        </p:txBody>
-      </p:sp>
-      <p:sp>
-        <p:nvSpPr>
-          <p:cNvPr id="15" name="Rectangle 14">
+              <a:t>RdRp</a:t>
+            </a:r>
+          </a:p>
+        </p:txBody>
+      </p:sp>
+      <p:sp>
+        <p:nvSpPr>
+          <p:cNvPr id="9" name="TextBox 8">
             <a:extLst>
               <a:ext uri="{FF2B5EF4-FFF2-40B4-BE49-F238E27FC236}">
-                <a16:creationId xmlns:a16="http://schemas.microsoft.com/office/drawing/2014/main" id="{97E8F1C4-A45A-A24D-A494-AC72B9404284}"/>
+                <a16:creationId xmlns:a16="http://schemas.microsoft.com/office/drawing/2014/main" id="{69EDA11E-F109-4140-9C22-611E190756FC}"/>
               </a:ext>
             </a:extLst>
           </p:cNvPr>
-          <p:cNvSpPr/>
+          <p:cNvSpPr txBox="1"/>
           <p:nvPr/>
         </p:nvSpPr>
         <p:spPr>
           <a:xfrm>
-            <a:off x="585163" y="3683604"/>
-            <a:ext cx="397866" cy="276999"/>
+            <a:off x="2077224" y="3383837"/>
+            <a:ext cx="434734" cy="338554"/>
           </a:xfrm>
           <a:prstGeom prst="rect">
             <a:avLst/>
@@ -3198,190 +3226,13 @@
           </a:solidFill>
         </p:spPr>
         <p:txBody>
-          <a:bodyPr wrap="none">
+          <a:bodyPr wrap="none" rtlCol="0">
             <a:spAutoFit/>
           </a:bodyPr>
           <a:lstStyle/>
           <a:p>
-            <a:pPr defTabSz="669341"/>
-            <a:r>
-              <a:rPr lang="en-US" sz="1200" kern="0" dirty="0">
-                <a:solidFill>
-                  <a:srgbClr val="262626"/>
-                </a:solidFill>
-                <a:latin typeface="Arial" panose="020B0604020202020204" pitchFamily="34" charset="0"/>
-                <a:cs typeface="Arial" panose="020B0604020202020204" pitchFamily="34" charset="0"/>
-              </a:rPr>
-              <a:t>0.2</a:t>
-            </a:r>
-          </a:p>
-        </p:txBody>
-      </p:sp>
-      <p:sp>
-        <p:nvSpPr>
-          <p:cNvPr id="16" name="Rectangle 15">
-            <a:extLst>
-              <a:ext uri="{FF2B5EF4-FFF2-40B4-BE49-F238E27FC236}">
-                <a16:creationId xmlns:a16="http://schemas.microsoft.com/office/drawing/2014/main" id="{D04246D2-8CD2-CA4D-BC57-AC61C9AC3169}"/>
-              </a:ext>
-            </a:extLst>
-          </p:cNvPr>
-          <p:cNvSpPr/>
-          <p:nvPr/>
-        </p:nvSpPr>
-        <p:spPr>
-          <a:xfrm>
-            <a:off x="585163" y="4450394"/>
-            <a:ext cx="397866" cy="276999"/>
-          </a:xfrm>
-          <a:prstGeom prst="rect">
-            <a:avLst/>
-          </a:prstGeom>
-          <a:solidFill>
-            <a:schemeClr val="bg1"/>
-          </a:solidFill>
-        </p:spPr>
-        <p:txBody>
-          <a:bodyPr wrap="none">
-            <a:spAutoFit/>
-          </a:bodyPr>
-          <a:lstStyle/>
-          <a:p>
-            <a:pPr defTabSz="669341"/>
-            <a:r>
-              <a:rPr lang="en-US" sz="1200" kern="0" dirty="0">
-                <a:solidFill>
-                  <a:srgbClr val="262626"/>
-                </a:solidFill>
-                <a:latin typeface="Arial" panose="020B0604020202020204" pitchFamily="34" charset="0"/>
-                <a:cs typeface="Arial" panose="020B0604020202020204" pitchFamily="34" charset="0"/>
-              </a:rPr>
-              <a:t>0.0</a:t>
-            </a:r>
-          </a:p>
-        </p:txBody>
-      </p:sp>
-      <p:sp>
-        <p:nvSpPr>
-          <p:cNvPr id="22" name="Rectangle 21">
-            <a:extLst>
-              <a:ext uri="{FF2B5EF4-FFF2-40B4-BE49-F238E27FC236}">
-                <a16:creationId xmlns:a16="http://schemas.microsoft.com/office/drawing/2014/main" id="{A7292DF0-9DF3-174D-9BE0-32D1082B96E2}"/>
-              </a:ext>
-            </a:extLst>
-          </p:cNvPr>
-          <p:cNvSpPr/>
-          <p:nvPr/>
-        </p:nvSpPr>
-        <p:spPr>
-          <a:xfrm>
-            <a:off x="1456334" y="5065491"/>
-            <a:ext cx="696024" cy="338554"/>
-          </a:xfrm>
-          <a:prstGeom prst="rect">
-            <a:avLst/>
-          </a:prstGeom>
-          <a:solidFill>
-            <a:sysClr val="window" lastClr="FFFFFF"/>
-          </a:solidFill>
-        </p:spPr>
-        <p:txBody>
-          <a:bodyPr wrap="none">
-            <a:spAutoFit/>
-          </a:bodyPr>
-          <a:lstStyle/>
-          <a:p>
-            <a:pPr defTabSz="669341"/>
-            <a:r>
-              <a:rPr lang="en-US" sz="1600" kern="0" dirty="0">
-                <a:solidFill>
-                  <a:srgbClr val="262626"/>
-                </a:solidFill>
-                <a:latin typeface="Arial" panose="020B0604020202020204" pitchFamily="34" charset="0"/>
-                <a:cs typeface="Arial" panose="020B0604020202020204" pitchFamily="34" charset="0"/>
-              </a:rPr>
-              <a:t>Spike</a:t>
-            </a:r>
-          </a:p>
-        </p:txBody>
-      </p:sp>
-      <p:sp>
-        <p:nvSpPr>
-          <p:cNvPr id="23" name="Rectangle 22">
-            <a:extLst>
-              <a:ext uri="{FF2B5EF4-FFF2-40B4-BE49-F238E27FC236}">
-                <a16:creationId xmlns:a16="http://schemas.microsoft.com/office/drawing/2014/main" id="{7ADE1BA2-357C-DB4C-8DFB-BD31DF2ED35C}"/>
-              </a:ext>
-            </a:extLst>
-          </p:cNvPr>
-          <p:cNvSpPr/>
-          <p:nvPr/>
-        </p:nvSpPr>
-        <p:spPr>
-          <a:xfrm>
-            <a:off x="4110947" y="5065491"/>
-            <a:ext cx="434734" cy="338554"/>
-          </a:xfrm>
-          <a:prstGeom prst="rect">
-            <a:avLst/>
-          </a:prstGeom>
-          <a:solidFill>
-            <a:sysClr val="window" lastClr="FFFFFF"/>
-          </a:solidFill>
-        </p:spPr>
-        <p:txBody>
-          <a:bodyPr wrap="none">
-            <a:spAutoFit/>
-          </a:bodyPr>
-          <a:lstStyle/>
-          <a:p>
-            <a:pPr defTabSz="669341"/>
-            <a:r>
-              <a:rPr lang="en-US" sz="1600" kern="0" dirty="0">
-                <a:solidFill>
-                  <a:srgbClr val="262626"/>
-                </a:solidFill>
-                <a:latin typeface="Arial" panose="020B0604020202020204" pitchFamily="34" charset="0"/>
-                <a:cs typeface="Arial" panose="020B0604020202020204" pitchFamily="34" charset="0"/>
-              </a:rPr>
-              <a:t>S1</a:t>
-            </a:r>
-          </a:p>
-        </p:txBody>
-      </p:sp>
-      <p:sp>
-        <p:nvSpPr>
-          <p:cNvPr id="24" name="Rectangle 23">
-            <a:extLst>
-              <a:ext uri="{FF2B5EF4-FFF2-40B4-BE49-F238E27FC236}">
-                <a16:creationId xmlns:a16="http://schemas.microsoft.com/office/drawing/2014/main" id="{AB0AB9A0-85ED-F348-A208-87B86413FB0E}"/>
-              </a:ext>
-            </a:extLst>
-          </p:cNvPr>
-          <p:cNvSpPr/>
-          <p:nvPr/>
-        </p:nvSpPr>
-        <p:spPr>
-          <a:xfrm>
-            <a:off x="6504270" y="5065491"/>
-            <a:ext cx="434734" cy="338554"/>
-          </a:xfrm>
-          <a:prstGeom prst="rect">
-            <a:avLst/>
-          </a:prstGeom>
-          <a:solidFill>
-            <a:sysClr val="window" lastClr="FFFFFF"/>
-          </a:solidFill>
-        </p:spPr>
-        <p:txBody>
-          <a:bodyPr wrap="none">
-            <a:spAutoFit/>
-          </a:bodyPr>
-          <a:lstStyle/>
-          <a:p>
-            <a:pPr defTabSz="669341"/>
-            <a:r>
-              <a:rPr lang="en-US" sz="1600" kern="0" dirty="0">
+            <a:r>
+              <a:rPr lang="en-US" sz="1600" dirty="0">
                 <a:solidFill>
                   <a:srgbClr val="262626"/>
                 </a:solidFill>
@@ -3393,352 +3244,10 @@
           </a:p>
         </p:txBody>
       </p:sp>
-      <p:sp>
-        <p:nvSpPr>
-          <p:cNvPr id="25" name="Rectangle 24">
-            <a:extLst>
-              <a:ext uri="{FF2B5EF4-FFF2-40B4-BE49-F238E27FC236}">
-                <a16:creationId xmlns:a16="http://schemas.microsoft.com/office/drawing/2014/main" id="{1601052A-2788-8849-9A47-5B91206E979F}"/>
-              </a:ext>
-            </a:extLst>
-          </p:cNvPr>
-          <p:cNvSpPr/>
-          <p:nvPr/>
-        </p:nvSpPr>
-        <p:spPr>
-          <a:xfrm>
-            <a:off x="8897597" y="5065491"/>
-            <a:ext cx="707245" cy="338554"/>
-          </a:xfrm>
-          <a:prstGeom prst="rect">
-            <a:avLst/>
-          </a:prstGeom>
-          <a:solidFill>
-            <a:sysClr val="window" lastClr="FFFFFF"/>
-          </a:solidFill>
-        </p:spPr>
-        <p:txBody>
-          <a:bodyPr wrap="none">
-            <a:spAutoFit/>
-          </a:bodyPr>
-          <a:lstStyle/>
-          <a:p>
-            <a:pPr defTabSz="669341"/>
-            <a:r>
-              <a:rPr lang="en-US" sz="1600" kern="0" dirty="0">
-                <a:solidFill>
-                  <a:srgbClr val="262626"/>
-                </a:solidFill>
-                <a:latin typeface="Arial" panose="020B0604020202020204" pitchFamily="34" charset="0"/>
-                <a:cs typeface="Arial" panose="020B0604020202020204" pitchFamily="34" charset="0"/>
-              </a:rPr>
-              <a:t>RdRp</a:t>
-            </a:r>
-          </a:p>
-        </p:txBody>
-      </p:sp>
-      <p:sp>
-        <p:nvSpPr>
-          <p:cNvPr id="26" name="Rectangle 25">
-            <a:extLst>
-              <a:ext uri="{FF2B5EF4-FFF2-40B4-BE49-F238E27FC236}">
-                <a16:creationId xmlns:a16="http://schemas.microsoft.com/office/drawing/2014/main" id="{16F59C0C-BBC5-5C42-A488-191E428231A4}"/>
-              </a:ext>
-            </a:extLst>
-          </p:cNvPr>
-          <p:cNvSpPr/>
-          <p:nvPr/>
-        </p:nvSpPr>
-        <p:spPr>
-          <a:xfrm rot="16200000">
-            <a:off x="-1603536" y="2459540"/>
-            <a:ext cx="4011034" cy="338554"/>
-          </a:xfrm>
-          <a:prstGeom prst="rect">
-            <a:avLst/>
-          </a:prstGeom>
-          <a:solidFill>
-            <a:sysClr val="window" lastClr="FFFFFF"/>
-          </a:solidFill>
-        </p:spPr>
-        <p:txBody>
-          <a:bodyPr wrap="none">
-            <a:spAutoFit/>
-          </a:bodyPr>
-          <a:lstStyle/>
-          <a:p>
-            <a:pPr defTabSz="669341"/>
-            <a:r>
-              <a:rPr lang="en-US" sz="1600" kern="0" dirty="0">
-                <a:solidFill>
-                  <a:srgbClr val="262626"/>
-                </a:solidFill>
-                <a:latin typeface="Arial" panose="020B0604020202020204" pitchFamily="34" charset="0"/>
-                <a:cs typeface="Arial" panose="020B0604020202020204" pitchFamily="34" charset="0"/>
-              </a:rPr>
-              <a:t>Adaptive Subs per Codon per Year (x10</a:t>
-            </a:r>
-            <a:r>
-              <a:rPr lang="en-US" sz="1600" kern="0" baseline="30000" dirty="0">
-                <a:solidFill>
-                  <a:srgbClr val="262626"/>
-                </a:solidFill>
-                <a:latin typeface="Arial" panose="020B0604020202020204" pitchFamily="34" charset="0"/>
-                <a:cs typeface="Arial" panose="020B0604020202020204" pitchFamily="34" charset="0"/>
-              </a:rPr>
-              <a:t>-3</a:t>
-            </a:r>
-            <a:r>
-              <a:rPr lang="en-US" sz="1600" kern="0" dirty="0">
-                <a:solidFill>
-                  <a:srgbClr val="262626"/>
-                </a:solidFill>
-                <a:latin typeface="Arial" panose="020B0604020202020204" pitchFamily="34" charset="0"/>
-                <a:cs typeface="Arial" panose="020B0604020202020204" pitchFamily="34" charset="0"/>
-              </a:rPr>
-              <a:t>)</a:t>
-            </a:r>
-          </a:p>
-        </p:txBody>
-      </p:sp>
-      <p:sp>
-        <p:nvSpPr>
-          <p:cNvPr id="33" name="TextBox 32">
-            <a:extLst>
-              <a:ext uri="{FF2B5EF4-FFF2-40B4-BE49-F238E27FC236}">
-                <a16:creationId xmlns:a16="http://schemas.microsoft.com/office/drawing/2014/main" id="{DBAD130F-F62E-E147-BFAF-AC4FCF237C1C}"/>
-              </a:ext>
-            </a:extLst>
-          </p:cNvPr>
-          <p:cNvSpPr txBox="1"/>
-          <p:nvPr/>
-        </p:nvSpPr>
-        <p:spPr>
-          <a:xfrm>
-            <a:off x="8255732" y="294912"/>
-            <a:ext cx="1697901" cy="738664"/>
-          </a:xfrm>
-          <a:prstGeom prst="rect">
-            <a:avLst/>
-          </a:prstGeom>
-          <a:solidFill>
-            <a:schemeClr val="bg1"/>
-          </a:solidFill>
-          <a:ln w="15875" cap="rnd">
-            <a:solidFill>
-              <a:srgbClr val="D6D6D6"/>
-            </a:solidFill>
-          </a:ln>
-        </p:spPr>
-        <p:txBody>
-          <a:bodyPr wrap="none" rtlCol="0">
-            <a:spAutoFit/>
-          </a:bodyPr>
-          <a:lstStyle/>
-          <a:p>
-            <a:r>
-              <a:rPr lang="en-US" sz="1400" dirty="0">
-                <a:latin typeface="Arial" panose="020B0604020202020204" pitchFamily="34" charset="0"/>
-                <a:cs typeface="Arial" panose="020B0604020202020204" pitchFamily="34" charset="0"/>
-              </a:rPr>
-              <a:t>     OC43 lineage A</a:t>
-            </a:r>
-          </a:p>
-          <a:p>
-            <a:r>
-              <a:rPr lang="en-US" sz="1400" dirty="0">
-                <a:latin typeface="Arial" panose="020B0604020202020204" pitchFamily="34" charset="0"/>
-                <a:cs typeface="Arial" panose="020B0604020202020204" pitchFamily="34" charset="0"/>
-              </a:rPr>
-              <a:t>     OC43 lineage B</a:t>
-            </a:r>
-          </a:p>
-          <a:p>
-            <a:r>
-              <a:rPr lang="en-US" sz="1400" dirty="0">
-                <a:latin typeface="Arial" panose="020B0604020202020204" pitchFamily="34" charset="0"/>
-                <a:cs typeface="Arial" panose="020B0604020202020204" pitchFamily="34" charset="0"/>
-              </a:rPr>
-              <a:t>     229E</a:t>
-            </a:r>
-          </a:p>
-        </p:txBody>
-      </p:sp>
-      <p:sp>
-        <p:nvSpPr>
-          <p:cNvPr id="34" name="Oval 33">
-            <a:extLst>
-              <a:ext uri="{FF2B5EF4-FFF2-40B4-BE49-F238E27FC236}">
-                <a16:creationId xmlns:a16="http://schemas.microsoft.com/office/drawing/2014/main" id="{F163E947-821A-6C41-AE93-83CF5B8AF546}"/>
-              </a:ext>
-            </a:extLst>
-          </p:cNvPr>
-          <p:cNvSpPr/>
-          <p:nvPr/>
-        </p:nvSpPr>
-        <p:spPr>
-          <a:xfrm>
-            <a:off x="8375266" y="384973"/>
-            <a:ext cx="146304" cy="146304"/>
-          </a:xfrm>
-          <a:prstGeom prst="ellipse">
-            <a:avLst/>
-          </a:prstGeom>
-          <a:solidFill>
-            <a:srgbClr val="CB4335"/>
-          </a:solidFill>
-          <a:ln>
-            <a:noFill/>
-          </a:ln>
-        </p:spPr>
-        <p:style>
-          <a:lnRef idx="2">
-            <a:schemeClr val="accent1">
-              <a:shade val="50000"/>
-            </a:schemeClr>
-          </a:lnRef>
-          <a:fillRef idx="1">
-            <a:schemeClr val="accent1"/>
-          </a:fillRef>
-          <a:effectRef idx="0">
-            <a:schemeClr val="accent1"/>
-          </a:effectRef>
-          <a:fontRef idx="minor">
-            <a:schemeClr val="lt1"/>
-          </a:fontRef>
-        </p:style>
-        <p:txBody>
-          <a:bodyPr rot="0" spcFirstLastPara="0" vertOverflow="overflow" horzOverflow="overflow" vert="horz" wrap="square" lIns="91440" tIns="45720" rIns="91440" bIns="45720" numCol="1" spcCol="0" rtlCol="0" fromWordArt="0" anchor="ctr" anchorCtr="0" forceAA="0" compatLnSpc="1">
-            <a:prstTxWarp prst="textNoShape">
-              <a:avLst/>
-            </a:prstTxWarp>
-            <a:noAutofit/>
-          </a:bodyPr>
-          <a:lstStyle/>
-          <a:p>
-            <a:pPr algn="ctr"/>
-            <a:endParaRPr lang="en-US"/>
-          </a:p>
-        </p:txBody>
-      </p:sp>
-      <p:sp>
-        <p:nvSpPr>
-          <p:cNvPr id="35" name="Oval 34">
-            <a:extLst>
-              <a:ext uri="{FF2B5EF4-FFF2-40B4-BE49-F238E27FC236}">
-                <a16:creationId xmlns:a16="http://schemas.microsoft.com/office/drawing/2014/main" id="{15E223F1-2AF6-CA4C-88C9-68F484C4336D}"/>
-              </a:ext>
-            </a:extLst>
-          </p:cNvPr>
-          <p:cNvSpPr/>
-          <p:nvPr/>
-        </p:nvSpPr>
-        <p:spPr>
-          <a:xfrm>
-            <a:off x="8375266" y="590002"/>
-            <a:ext cx="146304" cy="146304"/>
-          </a:xfrm>
-          <a:prstGeom prst="ellipse">
-            <a:avLst/>
-          </a:prstGeom>
-          <a:solidFill>
-            <a:srgbClr val="FF9A00"/>
-          </a:solidFill>
-          <a:ln>
-            <a:noFill/>
-          </a:ln>
-        </p:spPr>
-        <p:style>
-          <a:lnRef idx="2">
-            <a:schemeClr val="accent1">
-              <a:shade val="50000"/>
-            </a:schemeClr>
-          </a:lnRef>
-          <a:fillRef idx="1">
-            <a:schemeClr val="accent1"/>
-          </a:fillRef>
-          <a:effectRef idx="0">
-            <a:schemeClr val="accent1"/>
-          </a:effectRef>
-          <a:fontRef idx="minor">
-            <a:schemeClr val="lt1"/>
-          </a:fontRef>
-        </p:style>
-        <p:txBody>
-          <a:bodyPr rot="0" spcFirstLastPara="0" vertOverflow="overflow" horzOverflow="overflow" vert="horz" wrap="square" lIns="91440" tIns="45720" rIns="91440" bIns="45720" numCol="1" spcCol="0" rtlCol="0" fromWordArt="0" anchor="ctr" anchorCtr="0" forceAA="0" compatLnSpc="1">
-            <a:prstTxWarp prst="textNoShape">
-              <a:avLst/>
-            </a:prstTxWarp>
-            <a:noAutofit/>
-          </a:bodyPr>
-          <a:lstStyle/>
-          <a:p>
-            <a:pPr algn="ctr"/>
-            <a:endParaRPr lang="en-US"/>
-          </a:p>
-        </p:txBody>
-      </p:sp>
-      <p:sp>
-        <p:nvSpPr>
-          <p:cNvPr id="36" name="Oval 35">
-            <a:extLst>
-              <a:ext uri="{FF2B5EF4-FFF2-40B4-BE49-F238E27FC236}">
-                <a16:creationId xmlns:a16="http://schemas.microsoft.com/office/drawing/2014/main" id="{ACE4CCEA-8608-0042-8369-E6E6468F6011}"/>
-              </a:ext>
-            </a:extLst>
-          </p:cNvPr>
-          <p:cNvSpPr/>
-          <p:nvPr/>
-        </p:nvSpPr>
-        <p:spPr>
-          <a:xfrm>
-            <a:off x="8375266" y="795031"/>
-            <a:ext cx="146304" cy="146304"/>
-          </a:xfrm>
-          <a:prstGeom prst="ellipse">
-            <a:avLst/>
-          </a:prstGeom>
-          <a:solidFill>
-            <a:srgbClr val="2E86C1"/>
-          </a:solidFill>
-          <a:ln>
-            <a:noFill/>
-          </a:ln>
-        </p:spPr>
-        <p:style>
-          <a:lnRef idx="2">
-            <a:schemeClr val="accent1">
-              <a:shade val="50000"/>
-            </a:schemeClr>
-          </a:lnRef>
-          <a:fillRef idx="1">
-            <a:schemeClr val="accent1"/>
-          </a:fillRef>
-          <a:effectRef idx="0">
-            <a:schemeClr val="accent1"/>
-          </a:effectRef>
-          <a:fontRef idx="minor">
-            <a:schemeClr val="lt1"/>
-          </a:fontRef>
-        </p:style>
-        <p:txBody>
-          <a:bodyPr rot="0" spcFirstLastPara="0" vertOverflow="overflow" horzOverflow="overflow" vert="horz" wrap="square" lIns="91440" tIns="45720" rIns="91440" bIns="45720" numCol="1" spcCol="0" rtlCol="0" fromWordArt="0" anchor="ctr" anchorCtr="0" forceAA="0" compatLnSpc="1">
-            <a:prstTxWarp prst="textNoShape">
-              <a:avLst/>
-            </a:prstTxWarp>
-            <a:noAutofit/>
-          </a:bodyPr>
-          <a:lstStyle/>
-          <a:p>
-            <a:pPr algn="ctr"/>
-            <a:endParaRPr lang="en-US"/>
-          </a:p>
-        </p:txBody>
-      </p:sp>
     </p:spTree>
     <p:extLst>
       <p:ext uri="{BB962C8B-B14F-4D97-AF65-F5344CB8AC3E}">
-        <p14:creationId xmlns:p14="http://schemas.microsoft.com/office/powerpoint/2010/main" val="229850298"/>
+        <p14:creationId xmlns:p14="http://schemas.microsoft.com/office/powerpoint/2010/main" val="3171305823"/>
       </p:ext>
     </p:extLst>
   </p:cSld>
